--- a/English/6.Visuals/7.The TreeMap.pptx
+++ b/English/6.Visuals/7.The TreeMap.pptx
@@ -19,7 +19,7 @@
   <p:notesSz cx="6858000" cy="9144000"/>
   <p:defaultTextStyle>
     <a:defPPr>
-      <a:defRPr lang="en-US"/>
+      <a:defRPr lang="en"/>
     </a:defPPr>
     <a:lvl1pPr marL="0" algn="l" defTabSz="914400" rtl="0" eaLnBrk="1" latinLnBrk="0" hangingPunct="1">
       <a:defRPr sz="1800" kern="1200">
@@ -202,7 +202,7 @@
           <a:p>
             <a:fld id="{056BA3B8-9F76-4D81-B71D-76CB85363062}" type="datetimeFigureOut">
               <a:rPr lang="en-US" smtClean="0"/>
-              <a:t>1/4/2025</a:t>
+              <a:t>4/3/2025</a:t>
             </a:fld>
             <a:endParaRPr lang="en-US"/>
           </a:p>
@@ -601,7 +601,7 @@
           <a:p>
             <a:fld id="{6F01DA4D-20EA-48D2-973C-0311EC3005D6}" type="datetimeFigureOut">
               <a:rPr lang="en-US" smtClean="0"/>
-              <a:t>1/4/2025</a:t>
+              <a:t>4/3/2025</a:t>
             </a:fld>
             <a:endParaRPr lang="en-US"/>
           </a:p>
@@ -771,7 +771,7 @@
           <a:p>
             <a:fld id="{6F01DA4D-20EA-48D2-973C-0311EC3005D6}" type="datetimeFigureOut">
               <a:rPr lang="en-US" smtClean="0"/>
-              <a:t>1/4/2025</a:t>
+              <a:t>4/3/2025</a:t>
             </a:fld>
             <a:endParaRPr lang="en-US"/>
           </a:p>
@@ -951,7 +951,7 @@
           <a:p>
             <a:fld id="{6F01DA4D-20EA-48D2-973C-0311EC3005D6}" type="datetimeFigureOut">
               <a:rPr lang="en-US" smtClean="0"/>
-              <a:t>1/4/2025</a:t>
+              <a:t>4/3/2025</a:t>
             </a:fld>
             <a:endParaRPr lang="en-US"/>
           </a:p>
@@ -1121,7 +1121,7 @@
           <a:p>
             <a:fld id="{6F01DA4D-20EA-48D2-973C-0311EC3005D6}" type="datetimeFigureOut">
               <a:rPr lang="en-US" smtClean="0"/>
-              <a:t>1/4/2025</a:t>
+              <a:t>4/3/2025</a:t>
             </a:fld>
             <a:endParaRPr lang="en-US"/>
           </a:p>
@@ -1367,7 +1367,7 @@
           <a:p>
             <a:fld id="{6F01DA4D-20EA-48D2-973C-0311EC3005D6}" type="datetimeFigureOut">
               <a:rPr lang="en-US" smtClean="0"/>
-              <a:t>1/4/2025</a:t>
+              <a:t>4/3/2025</a:t>
             </a:fld>
             <a:endParaRPr lang="en-US"/>
           </a:p>
@@ -1599,7 +1599,7 @@
           <a:p>
             <a:fld id="{6F01DA4D-20EA-48D2-973C-0311EC3005D6}" type="datetimeFigureOut">
               <a:rPr lang="en-US" smtClean="0"/>
-              <a:t>1/4/2025</a:t>
+              <a:t>4/3/2025</a:t>
             </a:fld>
             <a:endParaRPr lang="en-US"/>
           </a:p>
@@ -1966,7 +1966,7 @@
           <a:p>
             <a:fld id="{6F01DA4D-20EA-48D2-973C-0311EC3005D6}" type="datetimeFigureOut">
               <a:rPr lang="en-US" smtClean="0"/>
-              <a:t>1/4/2025</a:t>
+              <a:t>4/3/2025</a:t>
             </a:fld>
             <a:endParaRPr lang="en-US"/>
           </a:p>
@@ -2084,7 +2084,7 @@
           <a:p>
             <a:fld id="{6F01DA4D-20EA-48D2-973C-0311EC3005D6}" type="datetimeFigureOut">
               <a:rPr lang="en-US" smtClean="0"/>
-              <a:t>1/4/2025</a:t>
+              <a:t>4/3/2025</a:t>
             </a:fld>
             <a:endParaRPr lang="en-US"/>
           </a:p>
@@ -2179,7 +2179,7 @@
           <a:p>
             <a:fld id="{6F01DA4D-20EA-48D2-973C-0311EC3005D6}" type="datetimeFigureOut">
               <a:rPr lang="en-US" smtClean="0"/>
-              <a:t>1/4/2025</a:t>
+              <a:t>4/3/2025</a:t>
             </a:fld>
             <a:endParaRPr lang="en-US"/>
           </a:p>
@@ -2456,7 +2456,7 @@
           <a:p>
             <a:fld id="{6F01DA4D-20EA-48D2-973C-0311EC3005D6}" type="datetimeFigureOut">
               <a:rPr lang="en-US" smtClean="0"/>
-              <a:t>1/4/2025</a:t>
+              <a:t>4/3/2025</a:t>
             </a:fld>
             <a:endParaRPr lang="en-US"/>
           </a:p>
@@ -2709,7 +2709,7 @@
           <a:p>
             <a:fld id="{6F01DA4D-20EA-48D2-973C-0311EC3005D6}" type="datetimeFigureOut">
               <a:rPr lang="en-US" smtClean="0"/>
-              <a:t>1/4/2025</a:t>
+              <a:t>4/3/2025</a:t>
             </a:fld>
             <a:endParaRPr lang="en-US"/>
           </a:p>
@@ -2922,7 +2922,7 @@
           <a:p>
             <a:fld id="{6F01DA4D-20EA-48D2-973C-0311EC3005D6}" type="datetimeFigureOut">
               <a:rPr lang="en-US" smtClean="0"/>
-              <a:t>1/4/2025</a:t>
+              <a:t>4/3/2025</a:t>
             </a:fld>
             <a:endParaRPr lang="en-US"/>
           </a:p>
@@ -3359,7 +3359,7 @@
           <a:p>
             <a:pPr algn="ctr"/>
             <a:r>
-              <a:rPr lang="fr-FR" sz="8000" b="1" dirty="0" smtClean="0">
+              <a:rPr lang="en" sz="8000" b="1" dirty="0" smtClean="0">
                 <a:solidFill>
                   <a:srgbClr val="7030A0"/>
                 </a:solidFill>
@@ -3370,7 +3370,7 @@
               <a:t>The </a:t>
             </a:r>
             <a:r>
-              <a:rPr lang="fr-FR" sz="8000" b="1" dirty="0" err="1" smtClean="0">
+              <a:rPr lang="en" sz="8000" b="1" dirty="0" err="1" smtClean="0">
                 <a:solidFill>
                   <a:srgbClr val="7030A0"/>
                 </a:solidFill>
@@ -3378,7 +3378,7 @@
                 <a:ea typeface="Verdana" panose="020B0604030504040204" pitchFamily="34" charset="0"/>
                 <a:cs typeface="Segoe UI" panose="020B0502040204020203" pitchFamily="34" charset="0"/>
               </a:rPr>
-              <a:t>TreeMap</a:t>
+              <a:t>tree map</a:t>
             </a:r>
             <a:endParaRPr lang="en-US" sz="8000" b="1" dirty="0">
               <a:solidFill>
@@ -3415,7 +3415,7 @@
           <a:p>
             <a:pPr algn="ctr"/>
             <a:r>
-              <a:rPr lang="fr-FR" sz="8000" b="1" dirty="0" smtClean="0">
+              <a:rPr lang="en" sz="8000" b="1" dirty="0" smtClean="0">
                 <a:solidFill>
                   <a:schemeClr val="bg1"/>
                 </a:solidFill>
@@ -3426,7 +3426,7 @@
               <a:t>The </a:t>
             </a:r>
             <a:r>
-              <a:rPr lang="fr-FR" sz="8000" b="1" dirty="0" err="1" smtClean="0">
+              <a:rPr lang="en" sz="8000" b="1" dirty="0" err="1" smtClean="0">
                 <a:solidFill>
                   <a:schemeClr val="bg1"/>
                 </a:solidFill>
@@ -3434,7 +3434,7 @@
                 <a:ea typeface="Verdana" panose="020B0604030504040204" pitchFamily="34" charset="0"/>
                 <a:cs typeface="Segoe UI" panose="020B0502040204020203" pitchFamily="34" charset="0"/>
               </a:rPr>
-              <a:t>TreeMap</a:t>
+              <a:t>tree map</a:t>
             </a:r>
             <a:endParaRPr lang="en-US" sz="8000" b="1" dirty="0">
               <a:solidFill>
@@ -3500,11 +3500,11 @@
           <a:lstStyle/>
           <a:p>
             <a:r>
-              <a:rPr lang="en-US" sz="2400" dirty="0" smtClean="0">
+              <a:rPr lang="en" sz="2400" dirty="0" smtClean="0">
                 <a:latin typeface="Segoe UI" panose="020B0502040204020203" pitchFamily="34" charset="0"/>
                 <a:cs typeface="Segoe UI" panose="020B0502040204020203" pitchFamily="34" charset="0"/>
               </a:rPr>
-              <a:t>The TreeMap</a:t>
+              <a:t>The tree map</a:t>
             </a:r>
             <a:endParaRPr lang="en-US" sz="2400" dirty="0">
               <a:latin typeface="Segoe UI" panose="020B0502040204020203" pitchFamily="34" charset="0"/>
@@ -3543,7 +3543,7 @@
               </a:spcAft>
             </a:pPr>
             <a:r>
-              <a:rPr lang="en-US" dirty="0" smtClean="0">
+              <a:rPr lang="en" dirty="0" smtClean="0">
                 <a:latin typeface="Segoe UI" panose="020B0502040204020203" pitchFamily="34" charset="0"/>
                 <a:ea typeface="Calibri" panose="020F0502020204030204" pitchFamily="34" charset="0"/>
                 <a:cs typeface="Times New Roman" panose="02020603050405020304" pitchFamily="18" charset="0"/>
@@ -3551,7 +3551,7 @@
               <a:t>Add the </a:t>
             </a:r>
             <a:r>
-              <a:rPr lang="en-US" b="1" dirty="0" smtClean="0">
+              <a:rPr lang="en" b="1" dirty="0" smtClean="0">
                 <a:latin typeface="Segoe UI" panose="020B0502040204020203" pitchFamily="34" charset="0"/>
                 <a:ea typeface="Calibri" panose="020F0502020204030204" pitchFamily="34" charset="0"/>
                 <a:cs typeface="Times New Roman" panose="02020603050405020304" pitchFamily="18" charset="0"/>
@@ -3559,7 +3559,7 @@
               <a:t>TreeMap </a:t>
             </a:r>
             <a:r>
-              <a:rPr lang="en-US" dirty="0" smtClean="0">
+              <a:rPr lang="en" dirty="0" smtClean="0">
                 <a:latin typeface="Segoe UI" panose="020B0502040204020203" pitchFamily="34" charset="0"/>
                 <a:ea typeface="Calibri" panose="020F0502020204030204" pitchFamily="34" charset="0"/>
                 <a:cs typeface="Times New Roman" panose="02020603050405020304" pitchFamily="18" charset="0"/>
@@ -3567,47 +3567,31 @@
               <a:t>and </a:t>
             </a:r>
             <a:r>
-              <a:rPr lang="en-US" b="1" dirty="0" smtClean="0">
-                <a:latin typeface="Segoe UI" panose="020B0502040204020203" pitchFamily="34" charset="0"/>
-                <a:ea typeface="Calibri" panose="020F0502020204030204" pitchFamily="34" charset="0"/>
-                <a:cs typeface="Times New Roman" panose="02020603050405020304" pitchFamily="18" charset="0"/>
-              </a:rPr>
-              <a:t>Pie visualization </a:t>
-            </a:r>
-            <a:r>
-              <a:rPr lang="en-US" dirty="0" smtClean="0">
-                <a:latin typeface="Segoe UI" panose="020B0502040204020203" pitchFamily="34" charset="0"/>
-                <a:ea typeface="Calibri" panose="020F0502020204030204" pitchFamily="34" charset="0"/>
-                <a:cs typeface="Times New Roman" panose="02020603050405020304" pitchFamily="18" charset="0"/>
-              </a:rPr>
-              <a:t>to the scene level and configure both visualizations to show the </a:t>
-            </a:r>
-            <a:r>
-              <a:rPr lang="en-US" b="1" dirty="0" err="1" smtClean="0">
-                <a:latin typeface="Segoe UI" panose="020B0502040204020203" pitchFamily="34" charset="0"/>
-                <a:ea typeface="Calibri" panose="020F0502020204030204" pitchFamily="34" charset="0"/>
-                <a:cs typeface="Times New Roman" panose="02020603050405020304" pitchFamily="18" charset="0"/>
-              </a:rPr>
-              <a:t>Order</a:t>
-            </a:r>
-            <a:r>
-              <a:rPr lang="en-US" b="1" dirty="0" err="1" smtClean="0">
-                <a:latin typeface="Segoe UI" panose="020B0502040204020203" pitchFamily="34" charset="0"/>
-                <a:ea typeface="Calibri" panose="020F0502020204030204" pitchFamily="34" charset="0"/>
-                <a:cs typeface="Times New Roman" panose="02020603050405020304" pitchFamily="18" charset="0"/>
-              </a:rPr>
-              <a:t>Quantit</a:t>
-            </a:r>
-            <a:r>
-              <a:rPr lang="en-US" b="1" dirty="0" err="1" smtClean="0">
-                <a:latin typeface="Segoe UI" panose="020B0502040204020203" pitchFamily="34" charset="0"/>
-                <a:ea typeface="Calibri" panose="020F0502020204030204" pitchFamily="34" charset="0"/>
-                <a:cs typeface="Times New Roman" panose="02020603050405020304" pitchFamily="18" charset="0"/>
-              </a:rPr>
-              <a:t>y</a:t>
-            </a:r>
-            <a:r>
-              <a:rPr lang="en-US" b="1" dirty="0" smtClean="0">
+              <a:rPr lang="en" b="1" dirty="0" smtClean="0">
+                <a:latin typeface="Segoe UI" panose="020B0502040204020203" pitchFamily="34" charset="0"/>
+                <a:ea typeface="Calibri" panose="020F0502020204030204" pitchFamily="34" charset="0"/>
+                <a:cs typeface="Times New Roman" panose="02020603050405020304" pitchFamily="18" charset="0"/>
+              </a:rPr>
+              <a:t>Pie visualizations </a:t>
+            </a:r>
+            <a:r>
+              <a:rPr lang="en" dirty="0" smtClean="0">
+                <a:latin typeface="Segoe UI" panose="020B0502040204020203" pitchFamily="34" charset="0"/>
+                <a:ea typeface="Calibri" panose="020F0502020204030204" pitchFamily="34" charset="0"/>
+                <a:cs typeface="Times New Roman" panose="02020603050405020304" pitchFamily="18" charset="0"/>
+              </a:rPr>
+              <a:t>to the scene level and configure both visualizations to display the </a:t>
+            </a:r>
+            <a:r>
+              <a:rPr lang="en" b="1" dirty="0" err="1" smtClean="0">
+                <a:latin typeface="Segoe UI" panose="020B0502040204020203" pitchFamily="34" charset="0"/>
+                <a:ea typeface="Calibri" panose="020F0502020204030204" pitchFamily="34" charset="0"/>
+                <a:cs typeface="Times New Roman" panose="02020603050405020304" pitchFamily="18" charset="0"/>
+              </a:rPr>
+              <a:t>order quantity</a:t>
+            </a:r>
+            <a:r>
+              <a:rPr lang="en" b="1" dirty="0" smtClean="0">
                 <a:latin typeface="Segoe UI" panose="020B0502040204020203" pitchFamily="34" charset="0"/>
                 <a:ea typeface="Calibri" panose="020F0502020204030204" pitchFamily="34" charset="0"/>
                 <a:cs typeface="Times New Roman" panose="02020603050405020304" pitchFamily="18" charset="0"/>
@@ -3615,7 +3599,7 @@
               <a:t> </a:t>
             </a:r>
             <a:r>
-              <a:rPr lang="en-US" dirty="0" smtClean="0">
+              <a:rPr lang="en" dirty="0" smtClean="0">
                 <a:latin typeface="Segoe UI" panose="020B0502040204020203" pitchFamily="34" charset="0"/>
                 <a:ea typeface="Calibri" panose="020F0502020204030204" pitchFamily="34" charset="0"/>
                 <a:cs typeface="Times New Roman" panose="02020603050405020304" pitchFamily="18" charset="0"/>
@@ -3623,7 +3607,7 @@
               <a:t>from </a:t>
             </a:r>
             <a:r>
-              <a:rPr lang="en-US" b="1" dirty="0" err="1" smtClean="0">
+              <a:rPr lang="en" b="1" dirty="0" err="1" smtClean="0">
                 <a:latin typeface="Segoe UI" panose="020B0502040204020203" pitchFamily="34" charset="0"/>
                 <a:ea typeface="Calibri" panose="020F0502020204030204" pitchFamily="34" charset="0"/>
                 <a:cs typeface="Times New Roman" panose="02020603050405020304" pitchFamily="18" charset="0"/>
@@ -3731,11 +3715,11 @@
           <a:lstStyle/>
           <a:p>
             <a:r>
-              <a:rPr lang="en-US" sz="2400" dirty="0" smtClean="0">
+              <a:rPr lang="en" sz="2400" dirty="0" smtClean="0">
                 <a:latin typeface="Segoe UI" panose="020B0502040204020203" pitchFamily="34" charset="0"/>
                 <a:cs typeface="Segoe UI" panose="020B0502040204020203" pitchFamily="34" charset="0"/>
               </a:rPr>
-              <a:t>The TreeMap</a:t>
+              <a:t>The tree map</a:t>
             </a:r>
             <a:endParaRPr lang="en-US" sz="2400" dirty="0">
               <a:latin typeface="Segoe UI" panose="020B0502040204020203" pitchFamily="34" charset="0"/>
@@ -3774,7 +3758,7 @@
               </a:spcAft>
             </a:pPr>
             <a:r>
-              <a:rPr lang="en-US" dirty="0" smtClean="0">
+              <a:rPr lang="en" dirty="0" smtClean="0">
                 <a:latin typeface="Segoe UI" panose="020B0502040204020203" pitchFamily="34" charset="0"/>
                 <a:ea typeface="Calibri" panose="020F0502020204030204" pitchFamily="34" charset="0"/>
                 <a:cs typeface="Times New Roman" panose="02020603050405020304" pitchFamily="18" charset="0"/>
@@ -3782,7 +3766,7 @@
               <a:t>Note that to configure </a:t>
             </a:r>
             <a:r>
-              <a:rPr lang="en-US" b="1" dirty="0" smtClean="0">
+              <a:rPr lang="en" b="1" dirty="0" smtClean="0">
                 <a:latin typeface="Segoe UI" panose="020B0502040204020203" pitchFamily="34" charset="0"/>
                 <a:ea typeface="Calibri" panose="020F0502020204030204" pitchFamily="34" charset="0"/>
                 <a:cs typeface="Times New Roman" panose="02020603050405020304" pitchFamily="18" charset="0"/>
@@ -3790,7 +3774,7 @@
               <a:t>TreeMap </a:t>
             </a:r>
             <a:r>
-              <a:rPr lang="en-US" dirty="0" smtClean="0">
+              <a:rPr lang="en" dirty="0" smtClean="0">
                 <a:latin typeface="Segoe UI" panose="020B0502040204020203" pitchFamily="34" charset="0"/>
                 <a:ea typeface="Calibri" panose="020F0502020204030204" pitchFamily="34" charset="0"/>
                 <a:cs typeface="Times New Roman" panose="02020603050405020304" pitchFamily="18" charset="0"/>
@@ -3798,7 +3782,7 @@
               <a:t>there is a difference compared to </a:t>
             </a:r>
             <a:r>
-              <a:rPr lang="en-US" b="1" dirty="0" smtClean="0">
+              <a:rPr lang="en" b="1" dirty="0" smtClean="0">
                 <a:latin typeface="Segoe UI" panose="020B0502040204020203" pitchFamily="34" charset="0"/>
                 <a:ea typeface="Calibri" panose="020F0502020204030204" pitchFamily="34" charset="0"/>
                 <a:cs typeface="Times New Roman" panose="02020603050405020304" pitchFamily="18" charset="0"/>
@@ -3806,7 +3790,7 @@
               <a:t>Pie </a:t>
             </a:r>
             <a:r>
-              <a:rPr lang="en-US" dirty="0" smtClean="0">
+              <a:rPr lang="en" dirty="0" smtClean="0">
                 <a:latin typeface="Segoe UI" panose="020B0502040204020203" pitchFamily="34" charset="0"/>
                 <a:ea typeface="Calibri" panose="020F0502020204030204" pitchFamily="34" charset="0"/>
                 <a:cs typeface="Times New Roman" panose="02020603050405020304" pitchFamily="18" charset="0"/>
@@ -3814,39 +3798,39 @@
               <a:t>in that the </a:t>
             </a:r>
             <a:r>
-              <a:rPr lang="en-US" b="1" dirty="0" smtClean="0">
-                <a:latin typeface="Segoe UI" panose="020B0502040204020203" pitchFamily="34" charset="0"/>
-                <a:ea typeface="Calibri" panose="020F0502020204030204" pitchFamily="34" charset="0"/>
-                <a:cs typeface="Times New Roman" panose="02020603050405020304" pitchFamily="18" charset="0"/>
-              </a:rPr>
-              <a:t>Legend</a:t>
-            </a:r>
-            <a:r>
-              <a:rPr lang="en-US" dirty="0" smtClean="0">
-                <a:latin typeface="Segoe UI" panose="020B0502040204020203" pitchFamily="34" charset="0"/>
-                <a:ea typeface="Calibri" panose="020F0502020204030204" pitchFamily="34" charset="0"/>
-                <a:cs typeface="Times New Roman" panose="02020603050405020304" pitchFamily="18" charset="0"/>
-              </a:rPr>
-              <a:t> parameter becomes </a:t>
-            </a:r>
-            <a:r>
-              <a:rPr lang="en-US" b="1" dirty="0" smtClean="0">
-                <a:latin typeface="Segoe UI" panose="020B0502040204020203" pitchFamily="34" charset="0"/>
-                <a:ea typeface="Calibri" panose="020F0502020204030204" pitchFamily="34" charset="0"/>
-                <a:cs typeface="Times New Roman" panose="02020603050405020304" pitchFamily="18" charset="0"/>
-              </a:rPr>
-              <a:t>Category</a:t>
-            </a:r>
-            <a:r>
-              <a:rPr lang="en-US" dirty="0" smtClean="0">
-                <a:latin typeface="Segoe UI" panose="020B0502040204020203" pitchFamily="34" charset="0"/>
-                <a:ea typeface="Calibri" panose="020F0502020204030204" pitchFamily="34" charset="0"/>
-                <a:cs typeface="Times New Roman" panose="02020603050405020304" pitchFamily="18" charset="0"/>
-              </a:rPr>
-              <a:t> in the case of </a:t>
-            </a:r>
-            <a:r>
-              <a:rPr lang="en-US" b="1" dirty="0" smtClean="0">
+              <a:rPr lang="en" b="1" dirty="0" smtClean="0">
+                <a:latin typeface="Segoe UI" panose="020B0502040204020203" pitchFamily="34" charset="0"/>
+                <a:ea typeface="Calibri" panose="020F0502020204030204" pitchFamily="34" charset="0"/>
+                <a:cs typeface="Times New Roman" panose="02020603050405020304" pitchFamily="18" charset="0"/>
+              </a:rPr>
+              <a:t>Legend parameter </a:t>
+            </a:r>
+            <a:r>
+              <a:rPr lang="en" dirty="0" smtClean="0">
+                <a:latin typeface="Segoe UI" panose="020B0502040204020203" pitchFamily="34" charset="0"/>
+                <a:ea typeface="Calibri" panose="020F0502020204030204" pitchFamily="34" charset="0"/>
+                <a:cs typeface="Times New Roman" panose="02020603050405020304" pitchFamily="18" charset="0"/>
+              </a:rPr>
+              <a:t>becomes </a:t>
+            </a:r>
+            <a:r>
+              <a:rPr lang="en" b="1" dirty="0" smtClean="0">
+                <a:latin typeface="Segoe UI" panose="020B0502040204020203" pitchFamily="34" charset="0"/>
+                <a:ea typeface="Calibri" panose="020F0502020204030204" pitchFamily="34" charset="0"/>
+                <a:cs typeface="Times New Roman" panose="02020603050405020304" pitchFamily="18" charset="0"/>
+              </a:rPr>
+              <a:t>Category </a:t>
+            </a:r>
+            <a:r>
+              <a:rPr lang="en" dirty="0" smtClean="0">
+                <a:latin typeface="Segoe UI" panose="020B0502040204020203" pitchFamily="34" charset="0"/>
+                <a:ea typeface="Calibri" panose="020F0502020204030204" pitchFamily="34" charset="0"/>
+                <a:cs typeface="Times New Roman" panose="02020603050405020304" pitchFamily="18" charset="0"/>
+              </a:rPr>
+              <a:t>in the case of </a:t>
+            </a:r>
+            <a:r>
+              <a:rPr lang="en" b="1" dirty="0" smtClean="0">
                 <a:latin typeface="Segoe UI" panose="020B0502040204020203" pitchFamily="34" charset="0"/>
                 <a:ea typeface="Calibri" panose="020F0502020204030204" pitchFamily="34" charset="0"/>
                 <a:cs typeface="Times New Roman" panose="02020603050405020304" pitchFamily="18" charset="0"/>
@@ -3981,11 +3965,11 @@
           <a:lstStyle/>
           <a:p>
             <a:r>
-              <a:rPr lang="en-US" sz="2400" dirty="0" smtClean="0">
+              <a:rPr lang="en" sz="2400" dirty="0" smtClean="0">
                 <a:latin typeface="Segoe UI" panose="020B0502040204020203" pitchFamily="34" charset="0"/>
                 <a:cs typeface="Segoe UI" panose="020B0502040204020203" pitchFamily="34" charset="0"/>
               </a:rPr>
-              <a:t>The TreeMap</a:t>
+              <a:t>The tree map</a:t>
             </a:r>
             <a:endParaRPr lang="en-US" sz="2400" dirty="0">
               <a:latin typeface="Segoe UI" panose="020B0502040204020203" pitchFamily="34" charset="0"/>
@@ -4024,39 +4008,39 @@
               </a:spcAft>
             </a:pPr>
             <a:r>
-              <a:rPr lang="fr-FR" dirty="0" err="1">
-                <a:latin typeface="Segoe UI" panose="020B0502040204020203" pitchFamily="34" charset="0"/>
-                <a:ea typeface="Calibri" panose="020F0502020204030204" pitchFamily="34" charset="0"/>
-                <a:cs typeface="Times New Roman" panose="02020603050405020304" pitchFamily="18" charset="0"/>
-              </a:rPr>
-              <a:t>Add</a:t>
-            </a:r>
-            <a:r>
-              <a:rPr lang="fr-FR" dirty="0">
-                <a:latin typeface="Segoe UI" panose="020B0502040204020203" pitchFamily="34" charset="0"/>
-                <a:ea typeface="Calibri" panose="020F0502020204030204" pitchFamily="34" charset="0"/>
-                <a:cs typeface="Times New Roman" panose="02020603050405020304" pitchFamily="18" charset="0"/>
-              </a:rPr>
-              <a:t> a </a:t>
-            </a:r>
-            <a:r>
-              <a:rPr lang="fr-FR" dirty="0" err="1">
-                <a:latin typeface="Segoe UI" panose="020B0502040204020203" pitchFamily="34" charset="0"/>
-                <a:ea typeface="Calibri" panose="020F0502020204030204" pitchFamily="34" charset="0"/>
-                <a:cs typeface="Times New Roman" panose="02020603050405020304" pitchFamily="18" charset="0"/>
-              </a:rPr>
-              <a:t>legend</a:t>
-            </a:r>
-            <a:r>
-              <a:rPr lang="fr-FR" dirty="0">
-                <a:latin typeface="Segoe UI" panose="020B0502040204020203" pitchFamily="34" charset="0"/>
-                <a:ea typeface="Calibri" panose="020F0502020204030204" pitchFamily="34" charset="0"/>
-                <a:cs typeface="Times New Roman" panose="02020603050405020304" pitchFamily="18" charset="0"/>
-              </a:rPr>
-              <a:t> at the </a:t>
-            </a:r>
-            <a:r>
-              <a:rPr lang="fr-FR" b="1" dirty="0" err="1">
+              <a:rPr lang="en" dirty="0" err="1">
+                <a:latin typeface="Segoe UI" panose="020B0502040204020203" pitchFamily="34" charset="0"/>
+                <a:ea typeface="Calibri" panose="020F0502020204030204" pitchFamily="34" charset="0"/>
+                <a:cs typeface="Times New Roman" panose="02020603050405020304" pitchFamily="18" charset="0"/>
+              </a:rPr>
+              <a:t>Add </a:t>
+            </a:r>
+            <a:r>
+              <a:rPr lang="en" dirty="0">
+                <a:latin typeface="Segoe UI" panose="020B0502040204020203" pitchFamily="34" charset="0"/>
+                <a:ea typeface="Calibri" panose="020F0502020204030204" pitchFamily="34" charset="0"/>
+                <a:cs typeface="Times New Roman" panose="02020603050405020304" pitchFamily="18" charset="0"/>
+              </a:rPr>
+              <a:t>a </a:t>
+            </a:r>
+            <a:r>
+              <a:rPr lang="en" dirty="0" err="1">
+                <a:latin typeface="Segoe UI" panose="020B0502040204020203" pitchFamily="34" charset="0"/>
+                <a:ea typeface="Calibri" panose="020F0502020204030204" pitchFamily="34" charset="0"/>
+                <a:cs typeface="Times New Roman" panose="02020603050405020304" pitchFamily="18" charset="0"/>
+              </a:rPr>
+              <a:t>legend </a:t>
+            </a:r>
+            <a:r>
+              <a:rPr lang="en" dirty="0">
+                <a:latin typeface="Segoe UI" panose="020B0502040204020203" pitchFamily="34" charset="0"/>
+                <a:ea typeface="Calibri" panose="020F0502020204030204" pitchFamily="34" charset="0"/>
+                <a:cs typeface="Times New Roman" panose="02020603050405020304" pitchFamily="18" charset="0"/>
+              </a:rPr>
+              <a:t>to the </a:t>
+            </a:r>
+            <a:r>
+              <a:rPr lang="en" b="1" dirty="0" err="1">
                 <a:latin typeface="Segoe UI" panose="020B0502040204020203" pitchFamily="34" charset="0"/>
                 <a:ea typeface="Calibri" panose="020F0502020204030204" pitchFamily="34" charset="0"/>
                 <a:cs typeface="Times New Roman" panose="02020603050405020304" pitchFamily="18" charset="0"/>
@@ -4064,7 +4048,7 @@
               <a:t>TreeMap</a:t>
             </a:r>
             <a:r>
-              <a:rPr lang="fr-FR" b="1" dirty="0">
+              <a:rPr lang="en" b="1" dirty="0">
                 <a:latin typeface="Segoe UI" panose="020B0502040204020203" pitchFamily="34" charset="0"/>
                 <a:ea typeface="Calibri" panose="020F0502020204030204" pitchFamily="34" charset="0"/>
                 <a:cs typeface="Times New Roman" panose="02020603050405020304" pitchFamily="18" charset="0"/>
@@ -4072,47 +4056,47 @@
               <a:t> </a:t>
             </a:r>
             <a:r>
-              <a:rPr lang="fr-FR" b="1" dirty="0" err="1">
-                <a:latin typeface="Segoe UI" panose="020B0502040204020203" pitchFamily="34" charset="0"/>
-                <a:ea typeface="Calibri" panose="020F0502020204030204" pitchFamily="34" charset="0"/>
-                <a:cs typeface="Times New Roman" panose="02020603050405020304" pitchFamily="18" charset="0"/>
-              </a:rPr>
-              <a:t>level</a:t>
-            </a:r>
-            <a:r>
-              <a:rPr lang="fr-FR" b="1" dirty="0">
-                <a:latin typeface="Segoe UI" panose="020B0502040204020203" pitchFamily="34" charset="0"/>
-                <a:ea typeface="Calibri" panose="020F0502020204030204" pitchFamily="34" charset="0"/>
-                <a:cs typeface="Times New Roman" panose="02020603050405020304" pitchFamily="18" charset="0"/>
-              </a:rPr>
-              <a:t> by </a:t>
-            </a:r>
-            <a:r>
-              <a:rPr lang="fr-FR" b="1" dirty="0" err="1">
-                <a:latin typeface="Segoe UI" panose="020B0502040204020203" pitchFamily="34" charset="0"/>
-                <a:ea typeface="Calibri" panose="020F0502020204030204" pitchFamily="34" charset="0"/>
-                <a:cs typeface="Times New Roman" panose="02020603050405020304" pitchFamily="18" charset="0"/>
-              </a:rPr>
-              <a:t>selecting</a:t>
-            </a:r>
-            <a:r>
-              <a:rPr lang="fr-FR" b="1" dirty="0">
-                <a:latin typeface="Segoe UI" panose="020B0502040204020203" pitchFamily="34" charset="0"/>
-                <a:ea typeface="Calibri" panose="020F0502020204030204" pitchFamily="34" charset="0"/>
-                <a:cs typeface="Times New Roman" panose="02020603050405020304" pitchFamily="18" charset="0"/>
-              </a:rPr>
-              <a:t> the Format </a:t>
-            </a:r>
-            <a:r>
-              <a:rPr lang="fr-FR" dirty="0">
-                <a:latin typeface="Segoe UI" panose="020B0502040204020203" pitchFamily="34" charset="0"/>
-                <a:ea typeface="Calibri" panose="020F0502020204030204" pitchFamily="34" charset="0"/>
-                <a:cs typeface="Times New Roman" panose="02020603050405020304" pitchFamily="18" charset="0"/>
-              </a:rPr>
-              <a:t>section </a:t>
-            </a:r>
-            <a:r>
-              <a:rPr lang="fr-FR" dirty="0" err="1">
+              <a:rPr lang="en" b="1" dirty="0" err="1">
+                <a:latin typeface="Segoe UI" panose="020B0502040204020203" pitchFamily="34" charset="0"/>
+                <a:ea typeface="Calibri" panose="020F0502020204030204" pitchFamily="34" charset="0"/>
+                <a:cs typeface="Times New Roman" panose="02020603050405020304" pitchFamily="18" charset="0"/>
+              </a:rPr>
+              <a:t>level </a:t>
+            </a:r>
+            <a:r>
+              <a:rPr lang="en" b="1" dirty="0">
+                <a:latin typeface="Segoe UI" panose="020B0502040204020203" pitchFamily="34" charset="0"/>
+                <a:ea typeface="Calibri" panose="020F0502020204030204" pitchFamily="34" charset="0"/>
+                <a:cs typeface="Times New Roman" panose="02020603050405020304" pitchFamily="18" charset="0"/>
+              </a:rPr>
+              <a:t>by </a:t>
+            </a:r>
+            <a:r>
+              <a:rPr lang="en" b="1" dirty="0" err="1">
+                <a:latin typeface="Segoe UI" panose="020B0502040204020203" pitchFamily="34" charset="0"/>
+                <a:ea typeface="Calibri" panose="020F0502020204030204" pitchFamily="34" charset="0"/>
+                <a:cs typeface="Times New Roman" panose="02020603050405020304" pitchFamily="18" charset="0"/>
+              </a:rPr>
+              <a:t>selecting </a:t>
+            </a:r>
+            <a:r>
+              <a:rPr lang="en" b="1" dirty="0">
+                <a:latin typeface="Segoe UI" panose="020B0502040204020203" pitchFamily="34" charset="0"/>
+                <a:ea typeface="Calibri" panose="020F0502020204030204" pitchFamily="34" charset="0"/>
+                <a:cs typeface="Times New Roman" panose="02020603050405020304" pitchFamily="18" charset="0"/>
+              </a:rPr>
+              <a:t>the </a:t>
+            </a:r>
+            <a:r>
+              <a:rPr lang="en" dirty="0">
+                <a:latin typeface="Segoe UI" panose="020B0502040204020203" pitchFamily="34" charset="0"/>
+                <a:ea typeface="Calibri" panose="020F0502020204030204" pitchFamily="34" charset="0"/>
+                <a:cs typeface="Times New Roman" panose="02020603050405020304" pitchFamily="18" charset="0"/>
+              </a:rPr>
+              <a:t>Format section </a:t>
+            </a:r>
+            <a:r>
+              <a:rPr lang="en" dirty="0" err="1">
                 <a:latin typeface="Segoe UI" panose="020B0502040204020203" pitchFamily="34" charset="0"/>
                 <a:ea typeface="Calibri" panose="020F0502020204030204" pitchFamily="34" charset="0"/>
                 <a:cs typeface="Times New Roman" panose="02020603050405020304" pitchFamily="18" charset="0"/>
@@ -4120,7 +4104,7 @@
               <a:t>then</a:t>
             </a:r>
             <a:r>
-              <a:rPr lang="fr-FR" dirty="0">
+              <a:rPr lang="en" dirty="0">
                 <a:latin typeface="Segoe UI" panose="020B0502040204020203" pitchFamily="34" charset="0"/>
                 <a:ea typeface="Calibri" panose="020F0502020204030204" pitchFamily="34" charset="0"/>
                 <a:cs typeface="Times New Roman" panose="02020603050405020304" pitchFamily="18" charset="0"/>
@@ -4128,15 +4112,15 @@
               <a:t> </a:t>
             </a:r>
             <a:r>
-              <a:rPr lang="fr-FR" dirty="0" err="1">
-                <a:latin typeface="Segoe UI" panose="020B0502040204020203" pitchFamily="34" charset="0"/>
-                <a:ea typeface="Calibri" panose="020F0502020204030204" pitchFamily="34" charset="0"/>
-                <a:cs typeface="Times New Roman" panose="02020603050405020304" pitchFamily="18" charset="0"/>
-              </a:rPr>
-              <a:t>activating</a:t>
-            </a:r>
-            <a:r>
-              <a:rPr lang="fr-FR" dirty="0">
+              <a:rPr lang="en" dirty="0" err="1">
+                <a:latin typeface="Segoe UI" panose="020B0502040204020203" pitchFamily="34" charset="0"/>
+                <a:ea typeface="Calibri" panose="020F0502020204030204" pitchFamily="34" charset="0"/>
+                <a:cs typeface="Times New Roman" panose="02020603050405020304" pitchFamily="18" charset="0"/>
+              </a:rPr>
+              <a:t>activation</a:t>
+            </a:r>
+            <a:r>
+              <a:rPr lang="en" dirty="0">
                 <a:latin typeface="Segoe UI" panose="020B0502040204020203" pitchFamily="34" charset="0"/>
                 <a:ea typeface="Calibri" panose="020F0502020204030204" pitchFamily="34" charset="0"/>
                 <a:cs typeface="Times New Roman" panose="02020603050405020304" pitchFamily="18" charset="0"/>
@@ -4144,7 +4128,7 @@
               <a:t> </a:t>
             </a:r>
             <a:r>
-              <a:rPr lang="fr-FR" b="1" dirty="0" err="1">
+              <a:rPr lang="en" b="1" dirty="0" err="1">
                 <a:latin typeface="Segoe UI" panose="020B0502040204020203" pitchFamily="34" charset="0"/>
                 <a:ea typeface="Calibri" panose="020F0502020204030204" pitchFamily="34" charset="0"/>
                 <a:cs typeface="Times New Roman" panose="02020603050405020304" pitchFamily="18" charset="0"/>
@@ -4152,7 +4136,7 @@
               <a:t>Legend</a:t>
             </a:r>
             <a:r>
-              <a:rPr lang="fr-FR" dirty="0">
+              <a:rPr lang="en" dirty="0">
                 <a:latin typeface="Segoe UI" panose="020B0502040204020203" pitchFamily="34" charset="0"/>
                 <a:ea typeface="Calibri" panose="020F0502020204030204" pitchFamily="34" charset="0"/>
                 <a:cs typeface="Times New Roman" panose="02020603050405020304" pitchFamily="18" charset="0"/>
@@ -4385,11 +4369,11 @@
           <a:lstStyle/>
           <a:p>
             <a:r>
-              <a:rPr lang="en-US" sz="2400" dirty="0" smtClean="0">
+              <a:rPr lang="en" sz="2400" dirty="0" smtClean="0">
                 <a:latin typeface="Segoe UI" panose="020B0502040204020203" pitchFamily="34" charset="0"/>
                 <a:cs typeface="Segoe UI" panose="020B0502040204020203" pitchFamily="34" charset="0"/>
               </a:rPr>
-              <a:t>The TreeMap</a:t>
+              <a:t>The tree map</a:t>
             </a:r>
             <a:endParaRPr lang="en-US" sz="2400" dirty="0">
               <a:latin typeface="Segoe UI" panose="020B0502040204020203" pitchFamily="34" charset="0"/>
@@ -4428,7 +4412,7 @@
               </a:spcAft>
             </a:pPr>
             <a:r>
-              <a:rPr lang="fr-FR" dirty="0">
+              <a:rPr lang="en" dirty="0">
                 <a:latin typeface="Segoe UI" panose="020B0502040204020203" pitchFamily="34" charset="0"/>
                 <a:ea typeface="Calibri" panose="020F0502020204030204" pitchFamily="34" charset="0"/>
                 <a:cs typeface="Times New Roman" panose="02020603050405020304" pitchFamily="18" charset="0"/>
@@ -4436,23 +4420,167 @@
               <a:t>It </a:t>
             </a:r>
             <a:r>
-              <a:rPr lang="fr-FR" dirty="0" err="1">
-                <a:latin typeface="Segoe UI" panose="020B0502040204020203" pitchFamily="34" charset="0"/>
-                <a:ea typeface="Calibri" panose="020F0502020204030204" pitchFamily="34" charset="0"/>
-                <a:cs typeface="Times New Roman" panose="02020603050405020304" pitchFamily="18" charset="0"/>
-              </a:rPr>
-              <a:t>is</a:t>
-            </a:r>
-            <a:r>
-              <a:rPr lang="fr-FR" dirty="0">
-                <a:latin typeface="Segoe UI" panose="020B0502040204020203" pitchFamily="34" charset="0"/>
-                <a:ea typeface="Calibri" panose="020F0502020204030204" pitchFamily="34" charset="0"/>
-                <a:cs typeface="Times New Roman" panose="02020603050405020304" pitchFamily="18" charset="0"/>
-              </a:rPr>
-              <a:t> possible to </a:t>
-            </a:r>
-            <a:r>
-              <a:rPr lang="fr-FR" dirty="0" err="1">
+              <a:rPr lang="en" dirty="0" err="1">
+                <a:latin typeface="Segoe UI" panose="020B0502040204020203" pitchFamily="34" charset="0"/>
+                <a:ea typeface="Calibri" panose="020F0502020204030204" pitchFamily="34" charset="0"/>
+                <a:cs typeface="Times New Roman" panose="02020603050405020304" pitchFamily="18" charset="0"/>
+              </a:rPr>
+              <a:t>is </a:t>
+            </a:r>
+            <a:r>
+              <a:rPr lang="en" dirty="0">
+                <a:latin typeface="Segoe UI" panose="020B0502040204020203" pitchFamily="34" charset="0"/>
+                <a:ea typeface="Calibri" panose="020F0502020204030204" pitchFamily="34" charset="0"/>
+                <a:cs typeface="Times New Roman" panose="02020603050405020304" pitchFamily="18" charset="0"/>
+              </a:rPr>
+              <a:t>possible to </a:t>
+            </a:r>
+            <a:r>
+              <a:rPr lang="en" dirty="0" err="1">
+                <a:latin typeface="Segoe UI" panose="020B0502040204020203" pitchFamily="34" charset="0"/>
+                <a:ea typeface="Calibri" panose="020F0502020204030204" pitchFamily="34" charset="0"/>
+                <a:cs typeface="Times New Roman" panose="02020603050405020304" pitchFamily="18" charset="0"/>
+              </a:rPr>
+              <a:t>exclude </a:t>
+            </a:r>
+            <a:r>
+              <a:rPr lang="en" dirty="0">
+                <a:latin typeface="Segoe UI" panose="020B0502040204020203" pitchFamily="34" charset="0"/>
+                <a:ea typeface="Calibri" panose="020F0502020204030204" pitchFamily="34" charset="0"/>
+                <a:cs typeface="Times New Roman" panose="02020603050405020304" pitchFamily="18" charset="0"/>
+              </a:rPr>
+              <a:t>or </a:t>
+            </a:r>
+            <a:r>
+              <a:rPr lang="en" dirty="0" err="1">
+                <a:latin typeface="Segoe UI" panose="020B0502040204020203" pitchFamily="34" charset="0"/>
+                <a:ea typeface="Calibri" panose="020F0502020204030204" pitchFamily="34" charset="0"/>
+                <a:cs typeface="Times New Roman" panose="02020603050405020304" pitchFamily="18" charset="0"/>
+              </a:rPr>
+              <a:t>include</a:t>
+            </a:r>
+            <a:r>
+              <a:rPr lang="en" dirty="0">
+                <a:latin typeface="Segoe UI" panose="020B0502040204020203" pitchFamily="34" charset="0"/>
+                <a:ea typeface="Calibri" panose="020F0502020204030204" pitchFamily="34" charset="0"/>
+                <a:cs typeface="Times New Roman" panose="02020603050405020304" pitchFamily="18" charset="0"/>
+              </a:rPr>
+              <a:t> </a:t>
+            </a:r>
+            <a:r>
+              <a:rPr lang="en" dirty="0" err="1">
+                <a:latin typeface="Segoe UI" panose="020B0502040204020203" pitchFamily="34" charset="0"/>
+                <a:ea typeface="Calibri" panose="020F0502020204030204" pitchFamily="34" charset="0"/>
+                <a:cs typeface="Times New Roman" panose="02020603050405020304" pitchFamily="18" charset="0"/>
+              </a:rPr>
+              <a:t>sectors </a:t>
+            </a:r>
+            <a:r>
+              <a:rPr lang="en" dirty="0">
+                <a:latin typeface="Segoe UI" panose="020B0502040204020203" pitchFamily="34" charset="0"/>
+                <a:ea typeface="Calibri" panose="020F0502020204030204" pitchFamily="34" charset="0"/>
+                <a:cs typeface="Times New Roman" panose="02020603050405020304" pitchFamily="18" charset="0"/>
+              </a:rPr>
+              <a:t>in </a:t>
+            </a:r>
+            <a:r>
+              <a:rPr lang="en" dirty="0" err="1">
+                <a:latin typeface="Segoe UI" panose="020B0502040204020203" pitchFamily="34" charset="0"/>
+                <a:ea typeface="Calibri" panose="020F0502020204030204" pitchFamily="34" charset="0"/>
+                <a:cs typeface="Times New Roman" panose="02020603050405020304" pitchFamily="18" charset="0"/>
+              </a:rPr>
+              <a:t>both </a:t>
+            </a:r>
+            <a:r>
+              <a:rPr lang="en" dirty="0">
+                <a:latin typeface="Segoe UI" panose="020B0502040204020203" pitchFamily="34" charset="0"/>
+                <a:ea typeface="Calibri" panose="020F0502020204030204" pitchFamily="34" charset="0"/>
+                <a:cs typeface="Times New Roman" panose="02020603050405020304" pitchFamily="18" charset="0"/>
+              </a:rPr>
+              <a:t>cases of </a:t>
+            </a:r>
+            <a:r>
+              <a:rPr lang="en" dirty="0" err="1">
+                <a:latin typeface="Segoe UI" panose="020B0502040204020203" pitchFamily="34" charset="0"/>
+                <a:ea typeface="Calibri" panose="020F0502020204030204" pitchFamily="34" charset="0"/>
+                <a:cs typeface="Times New Roman" panose="02020603050405020304" pitchFamily="18" charset="0"/>
+              </a:rPr>
+              <a:t>visualizations </a:t>
+            </a:r>
+            <a:r>
+              <a:rPr lang="en" sz="1400" dirty="0">
+                <a:latin typeface="Calibri" panose="020F0502020204030204" pitchFamily="34" charset="0"/>
+                <a:ea typeface="Calibri" panose="020F0502020204030204" pitchFamily="34" charset="0"/>
+                <a:cs typeface="Times New Roman" panose="02020603050405020304" pitchFamily="18" charset="0"/>
+              </a:rPr>
+              <a:t>, </a:t>
+            </a:r>
+            <a:r>
+              <a:rPr lang="en" dirty="0">
+                <a:latin typeface="Segoe UI" panose="020B0502040204020203" pitchFamily="34" charset="0"/>
+                <a:ea typeface="Calibri" panose="020F0502020204030204" pitchFamily="34" charset="0"/>
+                <a:cs typeface="Times New Roman" panose="02020603050405020304" pitchFamily="18" charset="0"/>
+              </a:rPr>
+              <a:t>by </a:t>
+            </a:r>
+            <a:r>
+              <a:rPr lang="en" dirty="0" err="1">
+                <a:latin typeface="Segoe UI" panose="020B0502040204020203" pitchFamily="34" charset="0"/>
+                <a:ea typeface="Calibri" panose="020F0502020204030204" pitchFamily="34" charset="0"/>
+                <a:cs typeface="Times New Roman" panose="02020603050405020304" pitchFamily="18" charset="0"/>
+              </a:rPr>
+              <a:t>right-clicking </a:t>
+            </a:r>
+            <a:r>
+              <a:rPr lang="en" dirty="0">
+                <a:latin typeface="Segoe UI" panose="020B0502040204020203" pitchFamily="34" charset="0"/>
+                <a:ea typeface="Calibri" panose="020F0502020204030204" pitchFamily="34" charset="0"/>
+                <a:cs typeface="Times New Roman" panose="02020603050405020304" pitchFamily="18" charset="0"/>
+              </a:rPr>
+              <a:t>and </a:t>
+            </a:r>
+            <a:r>
+              <a:rPr lang="en" dirty="0" err="1">
+                <a:latin typeface="Segoe UI" panose="020B0502040204020203" pitchFamily="34" charset="0"/>
+                <a:ea typeface="Calibri" panose="020F0502020204030204" pitchFamily="34" charset="0"/>
+                <a:cs typeface="Times New Roman" panose="02020603050405020304" pitchFamily="18" charset="0"/>
+              </a:rPr>
+              <a:t>selecting</a:t>
+            </a:r>
+            <a:r>
+              <a:rPr lang="en" dirty="0">
+                <a:latin typeface="Segoe UI" panose="020B0502040204020203" pitchFamily="34" charset="0"/>
+                <a:ea typeface="Calibri" panose="020F0502020204030204" pitchFamily="34" charset="0"/>
+                <a:cs typeface="Times New Roman" panose="02020603050405020304" pitchFamily="18" charset="0"/>
+              </a:rPr>
+              <a:t> </a:t>
+            </a:r>
+            <a:r>
+              <a:rPr lang="en" b="1" dirty="0" err="1">
+                <a:latin typeface="Segoe UI" panose="020B0502040204020203" pitchFamily="34" charset="0"/>
+                <a:ea typeface="Calibri" panose="020F0502020204030204" pitchFamily="34" charset="0"/>
+                <a:cs typeface="Times New Roman" panose="02020603050405020304" pitchFamily="18" charset="0"/>
+              </a:rPr>
+              <a:t>include</a:t>
+            </a:r>
+            <a:r>
+              <a:rPr lang="en" b="1" dirty="0">
+                <a:latin typeface="Segoe UI" panose="020B0502040204020203" pitchFamily="34" charset="0"/>
+                <a:ea typeface="Calibri" panose="020F0502020204030204" pitchFamily="34" charset="0"/>
+                <a:cs typeface="Times New Roman" panose="02020603050405020304" pitchFamily="18" charset="0"/>
+              </a:rPr>
+              <a:t> </a:t>
+            </a:r>
+            <a:r>
+              <a:rPr lang="en" dirty="0">
+                <a:latin typeface="Segoe UI" panose="020B0502040204020203" pitchFamily="34" charset="0"/>
+                <a:ea typeface="Calibri" panose="020F0502020204030204" pitchFamily="34" charset="0"/>
+                <a:cs typeface="Times New Roman" panose="02020603050405020304" pitchFamily="18" charset="0"/>
+              </a:rPr>
+              <a:t>or </a:t>
+            </a:r>
+            <a:r>
+              <a:rPr lang="en" b="1" dirty="0" err="1">
                 <a:latin typeface="Segoe UI" panose="020B0502040204020203" pitchFamily="34" charset="0"/>
                 <a:ea typeface="Calibri" panose="020F0502020204030204" pitchFamily="34" charset="0"/>
                 <a:cs typeface="Times New Roman" panose="02020603050405020304" pitchFamily="18" charset="0"/>
@@ -4460,151 +4588,7 @@
               <a:t>exclude</a:t>
             </a:r>
             <a:r>
-              <a:rPr lang="fr-FR" dirty="0">
-                <a:latin typeface="Segoe UI" panose="020B0502040204020203" pitchFamily="34" charset="0"/>
-                <a:ea typeface="Calibri" panose="020F0502020204030204" pitchFamily="34" charset="0"/>
-                <a:cs typeface="Times New Roman" panose="02020603050405020304" pitchFamily="18" charset="0"/>
-              </a:rPr>
-              <a:t> or </a:t>
-            </a:r>
-            <a:r>
-              <a:rPr lang="fr-FR" dirty="0" err="1">
-                <a:latin typeface="Segoe UI" panose="020B0502040204020203" pitchFamily="34" charset="0"/>
-                <a:ea typeface="Calibri" panose="020F0502020204030204" pitchFamily="34" charset="0"/>
-                <a:cs typeface="Times New Roman" panose="02020603050405020304" pitchFamily="18" charset="0"/>
-              </a:rPr>
-              <a:t>include</a:t>
-            </a:r>
-            <a:r>
-              <a:rPr lang="fr-FR" dirty="0">
-                <a:latin typeface="Segoe UI" panose="020B0502040204020203" pitchFamily="34" charset="0"/>
-                <a:ea typeface="Calibri" panose="020F0502020204030204" pitchFamily="34" charset="0"/>
-                <a:cs typeface="Times New Roman" panose="02020603050405020304" pitchFamily="18" charset="0"/>
-              </a:rPr>
-              <a:t> </a:t>
-            </a:r>
-            <a:r>
-              <a:rPr lang="fr-FR" dirty="0" err="1">
-                <a:latin typeface="Segoe UI" panose="020B0502040204020203" pitchFamily="34" charset="0"/>
-                <a:ea typeface="Calibri" panose="020F0502020204030204" pitchFamily="34" charset="0"/>
-                <a:cs typeface="Times New Roman" panose="02020603050405020304" pitchFamily="18" charset="0"/>
-              </a:rPr>
-              <a:t>sectors</a:t>
-            </a:r>
-            <a:r>
-              <a:rPr lang="fr-FR" dirty="0">
-                <a:latin typeface="Segoe UI" panose="020B0502040204020203" pitchFamily="34" charset="0"/>
-                <a:ea typeface="Calibri" panose="020F0502020204030204" pitchFamily="34" charset="0"/>
-                <a:cs typeface="Times New Roman" panose="02020603050405020304" pitchFamily="18" charset="0"/>
-              </a:rPr>
-              <a:t> in </a:t>
-            </a:r>
-            <a:r>
-              <a:rPr lang="fr-FR" dirty="0" err="1">
-                <a:latin typeface="Segoe UI" panose="020B0502040204020203" pitchFamily="34" charset="0"/>
-                <a:ea typeface="Calibri" panose="020F0502020204030204" pitchFamily="34" charset="0"/>
-                <a:cs typeface="Times New Roman" panose="02020603050405020304" pitchFamily="18" charset="0"/>
-              </a:rPr>
-              <a:t>both</a:t>
-            </a:r>
-            <a:r>
-              <a:rPr lang="fr-FR" dirty="0">
-                <a:latin typeface="Segoe UI" panose="020B0502040204020203" pitchFamily="34" charset="0"/>
-                <a:ea typeface="Calibri" panose="020F0502020204030204" pitchFamily="34" charset="0"/>
-                <a:cs typeface="Times New Roman" panose="02020603050405020304" pitchFamily="18" charset="0"/>
-              </a:rPr>
-              <a:t> cases of </a:t>
-            </a:r>
-            <a:r>
-              <a:rPr lang="fr-FR" dirty="0" err="1">
-                <a:latin typeface="Segoe UI" panose="020B0502040204020203" pitchFamily="34" charset="0"/>
-                <a:ea typeface="Calibri" panose="020F0502020204030204" pitchFamily="34" charset="0"/>
-                <a:cs typeface="Times New Roman" panose="02020603050405020304" pitchFamily="18" charset="0"/>
-              </a:rPr>
-              <a:t>visualizations</a:t>
-            </a:r>
-            <a:r>
-              <a:rPr lang="en-US" sz="1400" dirty="0">
-                <a:latin typeface="Calibri" panose="020F0502020204030204" pitchFamily="34" charset="0"/>
-                <a:ea typeface="Calibri" panose="020F0502020204030204" pitchFamily="34" charset="0"/>
-                <a:cs typeface="Times New Roman" panose="02020603050405020304" pitchFamily="18" charset="0"/>
-              </a:rPr>
-              <a:t>, </a:t>
-            </a:r>
-            <a:r>
-              <a:rPr lang="fr-FR" dirty="0">
-                <a:latin typeface="Segoe UI" panose="020B0502040204020203" pitchFamily="34" charset="0"/>
-                <a:ea typeface="Calibri" panose="020F0502020204030204" pitchFamily="34" charset="0"/>
-                <a:cs typeface="Times New Roman" panose="02020603050405020304" pitchFamily="18" charset="0"/>
-              </a:rPr>
-              <a:t>by right </a:t>
-            </a:r>
-            <a:r>
-              <a:rPr lang="fr-FR" dirty="0" err="1">
-                <a:latin typeface="Segoe UI" panose="020B0502040204020203" pitchFamily="34" charset="0"/>
-                <a:ea typeface="Calibri" panose="020F0502020204030204" pitchFamily="34" charset="0"/>
-                <a:cs typeface="Times New Roman" panose="02020603050405020304" pitchFamily="18" charset="0"/>
-              </a:rPr>
-              <a:t>clicking</a:t>
-            </a:r>
-            <a:r>
-              <a:rPr lang="fr-FR" dirty="0">
-                <a:latin typeface="Segoe UI" panose="020B0502040204020203" pitchFamily="34" charset="0"/>
-                <a:ea typeface="Calibri" panose="020F0502020204030204" pitchFamily="34" charset="0"/>
-                <a:cs typeface="Times New Roman" panose="02020603050405020304" pitchFamily="18" charset="0"/>
-              </a:rPr>
-              <a:t> mouse and </a:t>
-            </a:r>
-            <a:r>
-              <a:rPr lang="fr-FR" dirty="0" err="1">
-                <a:latin typeface="Segoe UI" panose="020B0502040204020203" pitchFamily="34" charset="0"/>
-                <a:ea typeface="Calibri" panose="020F0502020204030204" pitchFamily="34" charset="0"/>
-                <a:cs typeface="Times New Roman" panose="02020603050405020304" pitchFamily="18" charset="0"/>
-              </a:rPr>
-              <a:t>selecting</a:t>
-            </a:r>
-            <a:r>
-              <a:rPr lang="fr-FR" dirty="0">
-                <a:latin typeface="Segoe UI" panose="020B0502040204020203" pitchFamily="34" charset="0"/>
-                <a:ea typeface="Calibri" panose="020F0502020204030204" pitchFamily="34" charset="0"/>
-                <a:cs typeface="Times New Roman" panose="02020603050405020304" pitchFamily="18" charset="0"/>
-              </a:rPr>
-              <a:t> </a:t>
-            </a:r>
-            <a:r>
-              <a:rPr lang="fr-FR" b="1" dirty="0" err="1">
-                <a:latin typeface="Segoe UI" panose="020B0502040204020203" pitchFamily="34" charset="0"/>
-                <a:ea typeface="Calibri" panose="020F0502020204030204" pitchFamily="34" charset="0"/>
-                <a:cs typeface="Times New Roman" panose="02020603050405020304" pitchFamily="18" charset="0"/>
-              </a:rPr>
-              <a:t>include</a:t>
-            </a:r>
-            <a:r>
-              <a:rPr lang="fr-FR" b="1" dirty="0">
-                <a:latin typeface="Segoe UI" panose="020B0502040204020203" pitchFamily="34" charset="0"/>
-                <a:ea typeface="Calibri" panose="020F0502020204030204" pitchFamily="34" charset="0"/>
-                <a:cs typeface="Times New Roman" panose="02020603050405020304" pitchFamily="18" charset="0"/>
-              </a:rPr>
-              <a:t> </a:t>
-            </a:r>
-            <a:r>
-              <a:rPr lang="fr-FR" dirty="0">
-                <a:latin typeface="Segoe UI" panose="020B0502040204020203" pitchFamily="34" charset="0"/>
-                <a:ea typeface="Calibri" panose="020F0502020204030204" pitchFamily="34" charset="0"/>
-                <a:cs typeface="Times New Roman" panose="02020603050405020304" pitchFamily="18" charset="0"/>
-              </a:rPr>
-              <a:t>or </a:t>
-            </a:r>
-            <a:r>
-              <a:rPr lang="fr-FR" b="1" dirty="0" err="1">
-                <a:latin typeface="Segoe UI" panose="020B0502040204020203" pitchFamily="34" charset="0"/>
-                <a:ea typeface="Calibri" panose="020F0502020204030204" pitchFamily="34" charset="0"/>
-                <a:cs typeface="Times New Roman" panose="02020603050405020304" pitchFamily="18" charset="0"/>
-              </a:rPr>
-              <a:t>exclude</a:t>
-            </a:r>
-            <a:r>
-              <a:rPr lang="fr-FR" dirty="0">
+              <a:rPr lang="en" dirty="0">
                 <a:latin typeface="Segoe UI" panose="020B0502040204020203" pitchFamily="34" charset="0"/>
                 <a:ea typeface="Calibri" panose="020F0502020204030204" pitchFamily="34" charset="0"/>
                 <a:cs typeface="Times New Roman" panose="02020603050405020304" pitchFamily="18" charset="0"/>

--- a/English/6.Visuals/7.The TreeMap.pptx
+++ b/English/6.Visuals/7.The TreeMap.pptx
@@ -5,15 +5,17 @@
     <p:sldMasterId id="2147483648" r:id="rId1"/>
   </p:sldMasterIdLst>
   <p:notesMasterIdLst>
-    <p:notesMasterId r:id="rId8"/>
+    <p:notesMasterId r:id="rId10"/>
   </p:notesMasterIdLst>
   <p:sldIdLst>
     <p:sldId id="256" r:id="rId2"/>
     <p:sldId id="257" r:id="rId3"/>
     <p:sldId id="259" r:id="rId4"/>
-    <p:sldId id="260" r:id="rId5"/>
-    <p:sldId id="261" r:id="rId6"/>
-    <p:sldId id="258" r:id="rId7"/>
+    <p:sldId id="262" r:id="rId5"/>
+    <p:sldId id="263" r:id="rId6"/>
+    <p:sldId id="260" r:id="rId7"/>
+    <p:sldId id="261" r:id="rId8"/>
+    <p:sldId id="258" r:id="rId9"/>
   </p:sldIdLst>
   <p:sldSz cx="12192000" cy="6858000"/>
   <p:notesSz cx="6858000" cy="9144000"/>
@@ -202,7 +204,7 @@
           <a:p>
             <a:fld id="{056BA3B8-9F76-4D81-B71D-76CB85363062}" type="datetimeFigureOut">
               <a:rPr lang="en-US" smtClean="0"/>
-              <a:t>4/3/2025</a:t>
+              <a:t>4/6/2025</a:t>
             </a:fld>
             <a:endParaRPr lang="en-US"/>
           </a:p>
@@ -601,7 +603,7 @@
           <a:p>
             <a:fld id="{6F01DA4D-20EA-48D2-973C-0311EC3005D6}" type="datetimeFigureOut">
               <a:rPr lang="en-US" smtClean="0"/>
-              <a:t>4/3/2025</a:t>
+              <a:t>4/6/2025</a:t>
             </a:fld>
             <a:endParaRPr lang="en-US"/>
           </a:p>
@@ -771,7 +773,7 @@
           <a:p>
             <a:fld id="{6F01DA4D-20EA-48D2-973C-0311EC3005D6}" type="datetimeFigureOut">
               <a:rPr lang="en-US" smtClean="0"/>
-              <a:t>4/3/2025</a:t>
+              <a:t>4/6/2025</a:t>
             </a:fld>
             <a:endParaRPr lang="en-US"/>
           </a:p>
@@ -951,7 +953,7 @@
           <a:p>
             <a:fld id="{6F01DA4D-20EA-48D2-973C-0311EC3005D6}" type="datetimeFigureOut">
               <a:rPr lang="en-US" smtClean="0"/>
-              <a:t>4/3/2025</a:t>
+              <a:t>4/6/2025</a:t>
             </a:fld>
             <a:endParaRPr lang="en-US"/>
           </a:p>
@@ -1121,7 +1123,7 @@
           <a:p>
             <a:fld id="{6F01DA4D-20EA-48D2-973C-0311EC3005D6}" type="datetimeFigureOut">
               <a:rPr lang="en-US" smtClean="0"/>
-              <a:t>4/3/2025</a:t>
+              <a:t>4/6/2025</a:t>
             </a:fld>
             <a:endParaRPr lang="en-US"/>
           </a:p>
@@ -1367,7 +1369,7 @@
           <a:p>
             <a:fld id="{6F01DA4D-20EA-48D2-973C-0311EC3005D6}" type="datetimeFigureOut">
               <a:rPr lang="en-US" smtClean="0"/>
-              <a:t>4/3/2025</a:t>
+              <a:t>4/6/2025</a:t>
             </a:fld>
             <a:endParaRPr lang="en-US"/>
           </a:p>
@@ -1599,7 +1601,7 @@
           <a:p>
             <a:fld id="{6F01DA4D-20EA-48D2-973C-0311EC3005D6}" type="datetimeFigureOut">
               <a:rPr lang="en-US" smtClean="0"/>
-              <a:t>4/3/2025</a:t>
+              <a:t>4/6/2025</a:t>
             </a:fld>
             <a:endParaRPr lang="en-US"/>
           </a:p>
@@ -1966,7 +1968,7 @@
           <a:p>
             <a:fld id="{6F01DA4D-20EA-48D2-973C-0311EC3005D6}" type="datetimeFigureOut">
               <a:rPr lang="en-US" smtClean="0"/>
-              <a:t>4/3/2025</a:t>
+              <a:t>4/6/2025</a:t>
             </a:fld>
             <a:endParaRPr lang="en-US"/>
           </a:p>
@@ -2084,7 +2086,7 @@
           <a:p>
             <a:fld id="{6F01DA4D-20EA-48D2-973C-0311EC3005D6}" type="datetimeFigureOut">
               <a:rPr lang="en-US" smtClean="0"/>
-              <a:t>4/3/2025</a:t>
+              <a:t>4/6/2025</a:t>
             </a:fld>
             <a:endParaRPr lang="en-US"/>
           </a:p>
@@ -2179,7 +2181,7 @@
           <a:p>
             <a:fld id="{6F01DA4D-20EA-48D2-973C-0311EC3005D6}" type="datetimeFigureOut">
               <a:rPr lang="en-US" smtClean="0"/>
-              <a:t>4/3/2025</a:t>
+              <a:t>4/6/2025</a:t>
             </a:fld>
             <a:endParaRPr lang="en-US"/>
           </a:p>
@@ -2456,7 +2458,7 @@
           <a:p>
             <a:fld id="{6F01DA4D-20EA-48D2-973C-0311EC3005D6}" type="datetimeFigureOut">
               <a:rPr lang="en-US" smtClean="0"/>
-              <a:t>4/3/2025</a:t>
+              <a:t>4/6/2025</a:t>
             </a:fld>
             <a:endParaRPr lang="en-US"/>
           </a:p>
@@ -2709,7 +2711,7 @@
           <a:p>
             <a:fld id="{6F01DA4D-20EA-48D2-973C-0311EC3005D6}" type="datetimeFigureOut">
               <a:rPr lang="en-US" smtClean="0"/>
-              <a:t>4/3/2025</a:t>
+              <a:t>4/6/2025</a:t>
             </a:fld>
             <a:endParaRPr lang="en-US"/>
           </a:p>
@@ -2922,7 +2924,7 @@
           <a:p>
             <a:fld id="{6F01DA4D-20EA-48D2-973C-0311EC3005D6}" type="datetimeFigureOut">
               <a:rPr lang="en-US" smtClean="0"/>
-              <a:t>4/3/2025</a:t>
+              <a:t>4/6/2025</a:t>
             </a:fld>
             <a:endParaRPr lang="en-US"/>
           </a:p>
@@ -3515,13 +3517,13 @@
       </p:sp>
       <p:sp>
         <p:nvSpPr>
-          <p:cNvPr id="4" name="Rectangle 3"/>
+          <p:cNvPr id="5" name="Rectangle 4"/>
           <p:cNvSpPr/>
           <p:nvPr/>
         </p:nvSpPr>
         <p:spPr>
           <a:xfrm>
-            <a:off x="401053" y="958235"/>
+            <a:off x="462929" y="1721380"/>
             <a:ext cx="10262364" cy="685059"/>
           </a:xfrm>
           <a:prstGeom prst="rect">
@@ -3583,19 +3585,19 @@
               <a:t>to the scene level and configure both visualizations to display the </a:t>
             </a:r>
             <a:r>
-              <a:rPr lang="en" b="1" dirty="0" err="1" smtClean="0">
-                <a:latin typeface="Segoe UI" panose="020B0502040204020203" pitchFamily="34" charset="0"/>
-                <a:ea typeface="Calibri" panose="020F0502020204030204" pitchFamily="34" charset="0"/>
-                <a:cs typeface="Times New Roman" panose="02020603050405020304" pitchFamily="18" charset="0"/>
-              </a:rPr>
-              <a:t>order quantity</a:t>
-            </a:r>
-            <a:r>
               <a:rPr lang="en" b="1" dirty="0" smtClean="0">
                 <a:latin typeface="Segoe UI" panose="020B0502040204020203" pitchFamily="34" charset="0"/>
                 <a:ea typeface="Calibri" panose="020F0502020204030204" pitchFamily="34" charset="0"/>
                 <a:cs typeface="Times New Roman" panose="02020603050405020304" pitchFamily="18" charset="0"/>
               </a:rPr>
+              <a:t>ReturnQuantity</a:t>
+            </a:r>
+            <a:r>
+              <a:rPr lang="en" b="1" dirty="0" smtClean="0">
+                <a:latin typeface="Segoe UI" panose="020B0502040204020203" pitchFamily="34" charset="0"/>
+                <a:ea typeface="Calibri" panose="020F0502020204030204" pitchFamily="34" charset="0"/>
+                <a:cs typeface="Times New Roman" panose="02020603050405020304" pitchFamily="18" charset="0"/>
+              </a:rPr>
               <a:t> </a:t>
             </a:r>
             <a:r>
@@ -3607,12 +3609,20 @@
               <a:t>from </a:t>
             </a:r>
             <a:r>
-              <a:rPr lang="en" b="1" dirty="0" err="1" smtClean="0">
-                <a:latin typeface="Segoe UI" panose="020B0502040204020203" pitchFamily="34" charset="0"/>
-                <a:ea typeface="Calibri" panose="020F0502020204030204" pitchFamily="34" charset="0"/>
-                <a:cs typeface="Times New Roman" panose="02020603050405020304" pitchFamily="18" charset="0"/>
-              </a:rPr>
-              <a:t>FactInternetSales</a:t>
+              <a:rPr lang="en" b="1" dirty="0" smtClean="0">
+                <a:latin typeface="Segoe UI" panose="020B0502040204020203" pitchFamily="34" charset="0"/>
+                <a:ea typeface="Calibri" panose="020F0502020204030204" pitchFamily="34" charset="0"/>
+                <a:cs typeface="Times New Roman" panose="02020603050405020304" pitchFamily="18" charset="0"/>
+              </a:rPr>
+              <a:t>FactSales </a:t>
+            </a:r>
+            <a:r>
+              <a:rPr lang="en" dirty="0" smtClean="0">
+                <a:latin typeface="Segoe UI" panose="020B0502040204020203" pitchFamily="34" charset="0"/>
+                <a:ea typeface="Calibri" panose="020F0502020204030204" pitchFamily="34" charset="0"/>
+                <a:cs typeface="Times New Roman" panose="02020603050405020304" pitchFamily="18" charset="0"/>
+              </a:rPr>
+              <a:t> table</a:t>
             </a:r>
             <a:endParaRPr lang="en-US" sz="1400" b="1" dirty="0">
               <a:effectLst/>
@@ -3623,43 +3633,98 @@
           </a:p>
         </p:txBody>
       </p:sp>
+      <p:sp>
+        <p:nvSpPr>
+          <p:cNvPr id="7" name="Rectangle 6"/>
+          <p:cNvSpPr/>
+          <p:nvPr/>
+        </p:nvSpPr>
+        <p:spPr>
+          <a:xfrm>
+            <a:off x="462929" y="793230"/>
+            <a:ext cx="10262364" cy="373692"/>
+          </a:xfrm>
+          <a:prstGeom prst="rect">
+            <a:avLst/>
+          </a:prstGeom>
+        </p:spPr>
+        <p:txBody>
+          <a:bodyPr wrap="square">
+            <a:spAutoFit/>
+          </a:bodyPr>
+          <a:lstStyle/>
+          <a:p>
+            <a:pPr lvl="0">
+              <a:lnSpc>
+                <a:spcPct val="107000"/>
+              </a:lnSpc>
+              <a:spcAft>
+                <a:spcPts val="800"/>
+              </a:spcAft>
+            </a:pPr>
+            <a:r>
+              <a:rPr lang="en" dirty="0" smtClean="0">
+                <a:latin typeface="Segoe UI" panose="020B0502040204020203" pitchFamily="34" charset="0"/>
+                <a:ea typeface="Calibri" panose="020F0502020204030204" pitchFamily="34" charset="0"/>
+                <a:cs typeface="Times New Roman" panose="02020603050405020304" pitchFamily="18" charset="0"/>
+              </a:rPr>
+              <a:t>This workshop is using </a:t>
+            </a:r>
+            <a:r>
+              <a:rPr lang="en" b="1" dirty="0" smtClean="0">
+                <a:latin typeface="Segoe UI" panose="020B0502040204020203" pitchFamily="34" charset="0"/>
+                <a:ea typeface="Calibri" panose="020F0502020204030204" pitchFamily="34" charset="0"/>
+                <a:cs typeface="Times New Roman" panose="02020603050405020304" pitchFamily="18" charset="0"/>
+              </a:rPr>
+              <a:t>Sales.xslx</a:t>
+            </a:r>
+            <a:r>
+              <a:rPr lang="en" dirty="0" smtClean="0">
+                <a:latin typeface="Segoe UI" panose="020B0502040204020203" pitchFamily="34" charset="0"/>
+                <a:ea typeface="Calibri" panose="020F0502020204030204" pitchFamily="34" charset="0"/>
+                <a:cs typeface="Times New Roman" panose="02020603050405020304" pitchFamily="18" charset="0"/>
+              </a:rPr>
+              <a:t> de </a:t>
+            </a:r>
+            <a:r>
+              <a:rPr lang="en" b="1" dirty="0" smtClean="0">
+                <a:latin typeface="Segoe UI" panose="020B0502040204020203" pitchFamily="34" charset="0"/>
+                <a:ea typeface="Calibri" panose="020F0502020204030204" pitchFamily="34" charset="0"/>
+                <a:cs typeface="Times New Roman" panose="02020603050405020304" pitchFamily="18" charset="0"/>
+              </a:rPr>
+              <a:t>Excel Sources</a:t>
+            </a:r>
+            <a:endParaRPr lang="en-US" sz="1400" b="1" dirty="0">
+              <a:effectLst/>
+              <a:latin typeface="Calibri" panose="020F0502020204030204" pitchFamily="34" charset="0"/>
+              <a:ea typeface="Calibri" panose="020F0502020204030204" pitchFamily="34" charset="0"/>
+              <a:cs typeface="Times New Roman" panose="02020603050405020304" pitchFamily="18" charset="0"/>
+            </a:endParaRPr>
+          </a:p>
+        </p:txBody>
+      </p:sp>
       <p:pic>
         <p:nvPicPr>
-          <p:cNvPr id="6" name="Picture 5"/>
-          <p:cNvPicPr/>
+          <p:cNvPr id="3" name="Picture 2"/>
+          <p:cNvPicPr>
+            <a:picLocks noChangeAspect="1"/>
+          </p:cNvPicPr>
           <p:nvPr/>
         </p:nvPicPr>
         <p:blipFill>
-          <a:blip r:embed="rId2">
-            <a:extLst>
-              <a:ext uri="{28A0092B-C50C-407E-A947-70E740481C1C}">
-                <a14:useLocalDpi xmlns:a14="http://schemas.microsoft.com/office/drawing/2010/main" val="0"/>
-              </a:ext>
-            </a:extLst>
-          </a:blip>
-          <a:srcRect/>
+          <a:blip r:embed="rId2"/>
           <a:stretch>
             <a:fillRect/>
           </a:stretch>
         </p:blipFill>
-        <p:spPr bwMode="auto">
-          <a:xfrm>
-            <a:off x="528807" y="1806114"/>
-            <a:ext cx="5115722" cy="2731510"/>
+        <p:spPr>
+          <a:xfrm>
+            <a:off x="2508031" y="2833432"/>
+            <a:ext cx="6392167" cy="3143689"/>
           </a:xfrm>
           <a:prstGeom prst="rect">
             <a:avLst/>
           </a:prstGeom>
-          <a:ln>
-            <a:noFill/>
-          </a:ln>
-          <a:effectLst>
-            <a:outerShdw blurRad="292100" dist="139700" dir="2700000" algn="tl" rotWithShape="0">
-              <a:srgbClr val="333333">
-                <a:alpha val="65000"/>
-              </a:srgbClr>
-            </a:outerShdw>
-          </a:effectLst>
         </p:spPr>
       </p:pic>
     </p:spTree>
@@ -3848,21 +3913,22 @@
       </p:sp>
       <p:pic>
         <p:nvPicPr>
-          <p:cNvPr id="4" name="Picture 3"/>
+          <p:cNvPr id="5" name="Picture 4"/>
           <p:cNvPicPr>
             <a:picLocks noChangeAspect="1"/>
           </p:cNvPicPr>
           <p:nvPr/>
         </p:nvPicPr>
-        <p:blipFill rotWithShape="1">
+        <p:blipFill>
           <a:blip r:embed="rId2"/>
-          <a:srcRect r="51987" b="8765"/>
-          <a:stretch/>
+          <a:stretch>
+            <a:fillRect/>
+          </a:stretch>
         </p:blipFill>
         <p:spPr>
           <a:xfrm>
-            <a:off x="463371" y="1684114"/>
-            <a:ext cx="4596768" cy="4476054"/>
+            <a:off x="546744" y="1754853"/>
+            <a:ext cx="3177297" cy="3188407"/>
           </a:xfrm>
           <a:prstGeom prst="rect">
             <a:avLst/>
@@ -3881,37 +3947,148 @@
       </p:pic>
       <p:pic>
         <p:nvPicPr>
-          <p:cNvPr id="6" name="Picture 5"/>
+          <p:cNvPr id="7" name="Picture 6"/>
           <p:cNvPicPr>
             <a:picLocks noChangeAspect="1"/>
           </p:cNvPicPr>
           <p:nvPr/>
         </p:nvPicPr>
-        <p:blipFill rotWithShape="1">
-          <a:blip r:embed="rId2"/>
-          <a:srcRect l="48647" b="8338"/>
-          <a:stretch/>
+        <p:blipFill>
+          <a:blip r:embed="rId3"/>
+          <a:stretch>
+            <a:fillRect/>
+          </a:stretch>
         </p:blipFill>
         <p:spPr>
           <a:xfrm>
-            <a:off x="5589528" y="1684114"/>
-            <a:ext cx="4916462" cy="4496987"/>
+            <a:off x="3932884" y="1807362"/>
+            <a:ext cx="2062280" cy="2318610"/>
           </a:xfrm>
           <a:prstGeom prst="rect">
             <a:avLst/>
           </a:prstGeom>
+        </p:spPr>
+      </p:pic>
+      <p:pic>
+        <p:nvPicPr>
+          <p:cNvPr id="8" name="Picture 7"/>
+          <p:cNvPicPr>
+            <a:picLocks noChangeAspect="1"/>
+          </p:cNvPicPr>
+          <p:nvPr/>
+        </p:nvPicPr>
+        <p:blipFill>
+          <a:blip r:embed="rId4"/>
+          <a:stretch>
+            <a:fillRect/>
+          </a:stretch>
+        </p:blipFill>
+        <p:spPr>
+          <a:xfrm>
+            <a:off x="6321858" y="1807362"/>
+            <a:ext cx="2848373" cy="2610214"/>
+          </a:xfrm>
+          <a:prstGeom prst="rect">
+            <a:avLst/>
+          </a:prstGeom>
+        </p:spPr>
+      </p:pic>
+      <p:pic>
+        <p:nvPicPr>
+          <p:cNvPr id="9" name="Picture 8"/>
+          <p:cNvPicPr>
+            <a:picLocks noChangeAspect="1"/>
+          </p:cNvPicPr>
+          <p:nvPr/>
+        </p:nvPicPr>
+        <p:blipFill>
+          <a:blip r:embed="rId5"/>
+          <a:stretch>
+            <a:fillRect/>
+          </a:stretch>
+        </p:blipFill>
+        <p:spPr>
+          <a:xfrm>
+            <a:off x="9718699" y="1808221"/>
+            <a:ext cx="1714739" cy="2438740"/>
+          </a:xfrm>
+          <a:prstGeom prst="rect">
+            <a:avLst/>
+          </a:prstGeom>
+        </p:spPr>
+      </p:pic>
+      <p:cxnSp>
+        <p:nvCxnSpPr>
+          <p:cNvPr id="11" name="Straight Arrow Connector 10"/>
+          <p:cNvCxnSpPr/>
+          <p:nvPr/>
+        </p:nvCxnSpPr>
+        <p:spPr>
+          <a:xfrm flipH="1">
+            <a:off x="4654502" y="1471290"/>
+            <a:ext cx="2550695" cy="522515"/>
+          </a:xfrm>
+          <a:prstGeom prst="straightConnector1">
+            <a:avLst/>
+          </a:prstGeom>
           <a:ln>
-            <a:noFill/>
+            <a:solidFill>
+              <a:srgbClr val="FF0000"/>
+            </a:solidFill>
+            <a:tailEnd type="triangle"/>
           </a:ln>
-          <a:effectLst>
-            <a:outerShdw blurRad="292100" dist="139700" dir="2700000" algn="tl" rotWithShape="0">
-              <a:srgbClr val="333333">
-                <a:alpha val="65000"/>
-              </a:srgbClr>
-            </a:outerShdw>
-          </a:effectLst>
-        </p:spPr>
-      </p:pic>
+        </p:spPr>
+        <p:style>
+          <a:lnRef idx="3">
+            <a:schemeClr val="accent2"/>
+          </a:lnRef>
+          <a:fillRef idx="0">
+            <a:schemeClr val="accent2"/>
+          </a:fillRef>
+          <a:effectRef idx="2">
+            <a:schemeClr val="accent2"/>
+          </a:effectRef>
+          <a:fontRef idx="minor">
+            <a:schemeClr val="tx1"/>
+          </a:fontRef>
+        </p:style>
+      </p:cxnSp>
+      <p:cxnSp>
+        <p:nvCxnSpPr>
+          <p:cNvPr id="12" name="Straight Arrow Connector 11"/>
+          <p:cNvCxnSpPr/>
+          <p:nvPr/>
+        </p:nvCxnSpPr>
+        <p:spPr>
+          <a:xfrm>
+            <a:off x="7205197" y="1471290"/>
+            <a:ext cx="2597817" cy="522515"/>
+          </a:xfrm>
+          <a:prstGeom prst="straightConnector1">
+            <a:avLst/>
+          </a:prstGeom>
+          <a:ln>
+            <a:solidFill>
+              <a:srgbClr val="FF0000"/>
+            </a:solidFill>
+            <a:tailEnd type="triangle"/>
+          </a:ln>
+        </p:spPr>
+        <p:style>
+          <a:lnRef idx="3">
+            <a:schemeClr val="accent2"/>
+          </a:lnRef>
+          <a:fillRef idx="0">
+            <a:schemeClr val="accent2"/>
+          </a:fillRef>
+          <a:effectRef idx="2">
+            <a:schemeClr val="accent2"/>
+          </a:effectRef>
+          <a:fontRef idx="minor">
+            <a:schemeClr val="tx1"/>
+          </a:fontRef>
+        </p:style>
+      </p:cxnSp>
     </p:spTree>
     <p:extLst>
       <p:ext uri="{BB962C8B-B14F-4D97-AF65-F5344CB8AC3E}">
@@ -3980,14 +4157,14 @@
       </p:sp>
       <p:sp>
         <p:nvSpPr>
-          <p:cNvPr id="4" name="Rectangle 3"/>
+          <p:cNvPr id="3" name="Rectangle 2"/>
           <p:cNvSpPr/>
           <p:nvPr/>
         </p:nvSpPr>
         <p:spPr>
           <a:xfrm>
-            <a:off x="263548" y="948288"/>
-            <a:ext cx="10434243" cy="388696"/>
+            <a:off x="394178" y="861982"/>
+            <a:ext cx="11039260" cy="373692"/>
           </a:xfrm>
           <a:prstGeom prst="rect">
             <a:avLst/>
@@ -4008,140 +4185,12 @@
               </a:spcAft>
             </a:pPr>
             <a:r>
-              <a:rPr lang="en" dirty="0" err="1">
-                <a:latin typeface="Segoe UI" panose="020B0502040204020203" pitchFamily="34" charset="0"/>
-                <a:ea typeface="Calibri" panose="020F0502020204030204" pitchFamily="34" charset="0"/>
-                <a:cs typeface="Times New Roman" panose="02020603050405020304" pitchFamily="18" charset="0"/>
-              </a:rPr>
-              <a:t>Add </a:t>
-            </a:r>
-            <a:r>
-              <a:rPr lang="en" dirty="0">
-                <a:latin typeface="Segoe UI" panose="020B0502040204020203" pitchFamily="34" charset="0"/>
-                <a:ea typeface="Calibri" panose="020F0502020204030204" pitchFamily="34" charset="0"/>
-                <a:cs typeface="Times New Roman" panose="02020603050405020304" pitchFamily="18" charset="0"/>
-              </a:rPr>
-              <a:t>a </a:t>
-            </a:r>
-            <a:r>
-              <a:rPr lang="en" dirty="0" err="1">
-                <a:latin typeface="Segoe UI" panose="020B0502040204020203" pitchFamily="34" charset="0"/>
-                <a:ea typeface="Calibri" panose="020F0502020204030204" pitchFamily="34" charset="0"/>
-                <a:cs typeface="Times New Roman" panose="02020603050405020304" pitchFamily="18" charset="0"/>
-              </a:rPr>
-              <a:t>legend </a:t>
-            </a:r>
-            <a:r>
-              <a:rPr lang="en" dirty="0">
-                <a:latin typeface="Segoe UI" panose="020B0502040204020203" pitchFamily="34" charset="0"/>
-                <a:ea typeface="Calibri" panose="020F0502020204030204" pitchFamily="34" charset="0"/>
-                <a:cs typeface="Times New Roman" panose="02020603050405020304" pitchFamily="18" charset="0"/>
-              </a:rPr>
-              <a:t>to the </a:t>
-            </a:r>
-            <a:r>
-              <a:rPr lang="en" b="1" dirty="0" err="1">
-                <a:latin typeface="Segoe UI" panose="020B0502040204020203" pitchFamily="34" charset="0"/>
-                <a:ea typeface="Calibri" panose="020F0502020204030204" pitchFamily="34" charset="0"/>
-                <a:cs typeface="Times New Roman" panose="02020603050405020304" pitchFamily="18" charset="0"/>
-              </a:rPr>
-              <a:t>TreeMap</a:t>
-            </a:r>
-            <a:r>
-              <a:rPr lang="en" b="1" dirty="0">
-                <a:latin typeface="Segoe UI" panose="020B0502040204020203" pitchFamily="34" charset="0"/>
-                <a:ea typeface="Calibri" panose="020F0502020204030204" pitchFamily="34" charset="0"/>
-                <a:cs typeface="Times New Roman" panose="02020603050405020304" pitchFamily="18" charset="0"/>
-              </a:rPr>
-              <a:t> </a:t>
-            </a:r>
-            <a:r>
-              <a:rPr lang="en" b="1" dirty="0" err="1">
-                <a:latin typeface="Segoe UI" panose="020B0502040204020203" pitchFamily="34" charset="0"/>
-                <a:ea typeface="Calibri" panose="020F0502020204030204" pitchFamily="34" charset="0"/>
-                <a:cs typeface="Times New Roman" panose="02020603050405020304" pitchFamily="18" charset="0"/>
-              </a:rPr>
-              <a:t>level </a:t>
-            </a:r>
-            <a:r>
-              <a:rPr lang="en" b="1" dirty="0">
-                <a:latin typeface="Segoe UI" panose="020B0502040204020203" pitchFamily="34" charset="0"/>
-                <a:ea typeface="Calibri" panose="020F0502020204030204" pitchFamily="34" charset="0"/>
-                <a:cs typeface="Times New Roman" panose="02020603050405020304" pitchFamily="18" charset="0"/>
-              </a:rPr>
-              <a:t>by </a:t>
-            </a:r>
-            <a:r>
-              <a:rPr lang="en" b="1" dirty="0" err="1">
-                <a:latin typeface="Segoe UI" panose="020B0502040204020203" pitchFamily="34" charset="0"/>
-                <a:ea typeface="Calibri" panose="020F0502020204030204" pitchFamily="34" charset="0"/>
-                <a:cs typeface="Times New Roman" panose="02020603050405020304" pitchFamily="18" charset="0"/>
-              </a:rPr>
-              <a:t>selecting </a:t>
-            </a:r>
-            <a:r>
-              <a:rPr lang="en" b="1" dirty="0">
-                <a:latin typeface="Segoe UI" panose="020B0502040204020203" pitchFamily="34" charset="0"/>
-                <a:ea typeface="Calibri" panose="020F0502020204030204" pitchFamily="34" charset="0"/>
-                <a:cs typeface="Times New Roman" panose="02020603050405020304" pitchFamily="18" charset="0"/>
-              </a:rPr>
-              <a:t>the </a:t>
-            </a:r>
-            <a:r>
-              <a:rPr lang="en" dirty="0">
-                <a:latin typeface="Segoe UI" panose="020B0502040204020203" pitchFamily="34" charset="0"/>
-                <a:ea typeface="Calibri" panose="020F0502020204030204" pitchFamily="34" charset="0"/>
-                <a:cs typeface="Times New Roman" panose="02020603050405020304" pitchFamily="18" charset="0"/>
-              </a:rPr>
-              <a:t>Format section </a:t>
-            </a:r>
-            <a:r>
-              <a:rPr lang="en" dirty="0" err="1">
-                <a:latin typeface="Segoe UI" panose="020B0502040204020203" pitchFamily="34" charset="0"/>
-                <a:ea typeface="Calibri" panose="020F0502020204030204" pitchFamily="34" charset="0"/>
-                <a:cs typeface="Times New Roman" panose="02020603050405020304" pitchFamily="18" charset="0"/>
-              </a:rPr>
-              <a:t>then</a:t>
-            </a:r>
-            <a:r>
-              <a:rPr lang="en" dirty="0">
-                <a:latin typeface="Segoe UI" panose="020B0502040204020203" pitchFamily="34" charset="0"/>
-                <a:ea typeface="Calibri" panose="020F0502020204030204" pitchFamily="34" charset="0"/>
-                <a:cs typeface="Times New Roman" panose="02020603050405020304" pitchFamily="18" charset="0"/>
-              </a:rPr>
-              <a:t> </a:t>
-            </a:r>
-            <a:r>
-              <a:rPr lang="en" dirty="0" err="1">
-                <a:latin typeface="Segoe UI" panose="020B0502040204020203" pitchFamily="34" charset="0"/>
-                <a:ea typeface="Calibri" panose="020F0502020204030204" pitchFamily="34" charset="0"/>
-                <a:cs typeface="Times New Roman" panose="02020603050405020304" pitchFamily="18" charset="0"/>
-              </a:rPr>
-              <a:t>activation</a:t>
-            </a:r>
-            <a:r>
-              <a:rPr lang="en" dirty="0">
-                <a:latin typeface="Segoe UI" panose="020B0502040204020203" pitchFamily="34" charset="0"/>
-                <a:ea typeface="Calibri" panose="020F0502020204030204" pitchFamily="34" charset="0"/>
-                <a:cs typeface="Times New Roman" panose="02020603050405020304" pitchFamily="18" charset="0"/>
-              </a:rPr>
-              <a:t> </a:t>
-            </a:r>
-            <a:r>
-              <a:rPr lang="en" b="1" dirty="0" err="1">
-                <a:latin typeface="Segoe UI" panose="020B0502040204020203" pitchFamily="34" charset="0"/>
-                <a:ea typeface="Calibri" panose="020F0502020204030204" pitchFamily="34" charset="0"/>
-                <a:cs typeface="Times New Roman" panose="02020603050405020304" pitchFamily="18" charset="0"/>
-              </a:rPr>
-              <a:t>Legend</a:t>
-            </a:r>
-            <a:r>
-              <a:rPr lang="en" dirty="0">
-                <a:latin typeface="Segoe UI" panose="020B0502040204020203" pitchFamily="34" charset="0"/>
-                <a:ea typeface="Calibri" panose="020F0502020204030204" pitchFamily="34" charset="0"/>
-                <a:cs typeface="Times New Roman" panose="02020603050405020304" pitchFamily="18" charset="0"/>
-              </a:rPr>
-              <a:t>   </a:t>
+              <a:rPr lang="en" dirty="0" smtClean="0">
+                <a:latin typeface="Segoe UI" panose="020B0502040204020203" pitchFamily="34" charset="0"/>
+                <a:ea typeface="Calibri" panose="020F0502020204030204" pitchFamily="34" charset="0"/>
+                <a:cs typeface="Times New Roman" panose="02020603050405020304" pitchFamily="18" charset="0"/>
+              </a:rPr>
+              <a:t>Remark the presence of Details field in both kinds of visuals</a:t>
             </a:r>
             <a:endParaRPr lang="en-US" sz="1400" dirty="0">
               <a:effectLst/>
@@ -4154,7 +4203,7 @@
       </p:sp>
       <p:pic>
         <p:nvPicPr>
-          <p:cNvPr id="3" name="Picture 2"/>
+          <p:cNvPr id="4" name="Picture 3"/>
           <p:cNvPicPr>
             <a:picLocks noChangeAspect="1"/>
           </p:cNvPicPr>
@@ -4168,27 +4217,17 @@
         </p:blipFill>
         <p:spPr>
           <a:xfrm>
-            <a:off x="365528" y="1452021"/>
-            <a:ext cx="2543530" cy="4696480"/>
+            <a:off x="621845" y="1365249"/>
+            <a:ext cx="5668166" cy="4801270"/>
           </a:xfrm>
           <a:prstGeom prst="rect">
             <a:avLst/>
           </a:prstGeom>
-          <a:ln>
-            <a:noFill/>
-          </a:ln>
-          <a:effectLst>
-            <a:outerShdw blurRad="292100" dist="139700" dir="2700000" algn="tl" rotWithShape="0">
-              <a:srgbClr val="333333">
-                <a:alpha val="65000"/>
-              </a:srgbClr>
-            </a:outerShdw>
-          </a:effectLst>
         </p:spPr>
       </p:pic>
       <p:pic>
         <p:nvPicPr>
-          <p:cNvPr id="5" name="Picture 4"/>
+          <p:cNvPr id="6" name="Picture 5"/>
           <p:cNvPicPr>
             <a:picLocks noChangeAspect="1"/>
           </p:cNvPicPr>
@@ -4202,45 +4241,224 @@
         </p:blipFill>
         <p:spPr>
           <a:xfrm>
-            <a:off x="3201180" y="1452021"/>
-            <a:ext cx="6497316" cy="3408737"/>
+            <a:off x="6926242" y="1365249"/>
+            <a:ext cx="2066504" cy="2645125"/>
           </a:xfrm>
           <a:prstGeom prst="rect">
             <a:avLst/>
           </a:prstGeom>
+        </p:spPr>
+      </p:pic>
+      <p:cxnSp>
+        <p:nvCxnSpPr>
+          <p:cNvPr id="13" name="Straight Arrow Connector 12"/>
+          <p:cNvCxnSpPr/>
+          <p:nvPr/>
+        </p:nvCxnSpPr>
+        <p:spPr>
+          <a:xfrm flipH="1">
+            <a:off x="4647628" y="1890677"/>
+            <a:ext cx="536264" cy="2612571"/>
+          </a:xfrm>
+          <a:prstGeom prst="straightConnector1">
+            <a:avLst/>
+          </a:prstGeom>
           <a:ln>
-            <a:noFill/>
+            <a:solidFill>
+              <a:srgbClr val="FF0000"/>
+            </a:solidFill>
+            <a:tailEnd type="triangle"/>
           </a:ln>
-          <a:effectLst>
-            <a:outerShdw blurRad="292100" dist="139700" dir="2700000" algn="tl" rotWithShape="0">
-              <a:srgbClr val="333333">
-                <a:alpha val="65000"/>
-              </a:srgbClr>
-            </a:outerShdw>
-          </a:effectLst>
-        </p:spPr>
-      </p:pic>
-      <p:sp>
-        <p:nvSpPr>
-          <p:cNvPr id="8" name="Rectangle 7"/>
+        </p:spPr>
+        <p:style>
+          <a:lnRef idx="3">
+            <a:schemeClr val="accent2"/>
+          </a:lnRef>
+          <a:fillRef idx="0">
+            <a:schemeClr val="accent2"/>
+          </a:fillRef>
+          <a:effectRef idx="2">
+            <a:schemeClr val="accent2"/>
+          </a:effectRef>
+          <a:fontRef idx="minor">
+            <a:schemeClr val="tx1"/>
+          </a:fontRef>
+        </p:style>
+      </p:cxnSp>
+      <p:cxnSp>
+        <p:nvCxnSpPr>
+          <p:cNvPr id="14" name="Straight Arrow Connector 13"/>
+          <p:cNvCxnSpPr/>
+          <p:nvPr/>
+        </p:nvCxnSpPr>
+        <p:spPr>
+          <a:xfrm>
+            <a:off x="5204517" y="1897552"/>
+            <a:ext cx="1842551" cy="1622544"/>
+          </a:xfrm>
+          <a:prstGeom prst="straightConnector1">
+            <a:avLst/>
+          </a:prstGeom>
+          <a:ln>
+            <a:solidFill>
+              <a:srgbClr val="FF0000"/>
+            </a:solidFill>
+            <a:tailEnd type="triangle"/>
+          </a:ln>
+        </p:spPr>
+        <p:style>
+          <a:lnRef idx="3">
+            <a:schemeClr val="accent2"/>
+          </a:lnRef>
+          <a:fillRef idx="0">
+            <a:schemeClr val="accent2"/>
+          </a:fillRef>
+          <a:effectRef idx="2">
+            <a:schemeClr val="accent2"/>
+          </a:effectRef>
+          <a:fontRef idx="minor">
+            <a:schemeClr val="tx1"/>
+          </a:fontRef>
+        </p:style>
+      </p:cxnSp>
+      <p:cxnSp>
+        <p:nvCxnSpPr>
+          <p:cNvPr id="27" name="Straight Connector 26"/>
+          <p:cNvCxnSpPr/>
+          <p:nvPr/>
+        </p:nvCxnSpPr>
+        <p:spPr>
+          <a:xfrm>
+            <a:off x="3086959" y="3918857"/>
+            <a:ext cx="368969" cy="1450664"/>
+          </a:xfrm>
+          <a:prstGeom prst="line">
+            <a:avLst/>
+          </a:prstGeom>
+          <a:ln w="38100">
+            <a:solidFill>
+              <a:srgbClr val="FF0000"/>
+            </a:solidFill>
+            <a:prstDash val="dash"/>
+          </a:ln>
+        </p:spPr>
+        <p:style>
+          <a:lnRef idx="3">
+            <a:schemeClr val="accent2"/>
+          </a:lnRef>
+          <a:fillRef idx="0">
+            <a:schemeClr val="accent2"/>
+          </a:fillRef>
+          <a:effectRef idx="2">
+            <a:schemeClr val="accent2"/>
+          </a:effectRef>
+          <a:fontRef idx="minor">
+            <a:schemeClr val="tx1"/>
+          </a:fontRef>
+        </p:style>
+      </p:cxnSp>
+      <p:cxnSp>
+        <p:nvCxnSpPr>
+          <p:cNvPr id="29" name="Straight Connector 28"/>
+          <p:cNvCxnSpPr/>
+          <p:nvPr/>
+        </p:nvCxnSpPr>
+        <p:spPr>
+          <a:xfrm>
+            <a:off x="3086959" y="3850105"/>
+            <a:ext cx="1051904" cy="1079405"/>
+          </a:xfrm>
+          <a:prstGeom prst="line">
+            <a:avLst/>
+          </a:prstGeom>
+          <a:ln w="38100">
+            <a:solidFill>
+              <a:srgbClr val="FF0000"/>
+            </a:solidFill>
+            <a:prstDash val="dash"/>
+          </a:ln>
+        </p:spPr>
+        <p:style>
+          <a:lnRef idx="3">
+            <a:schemeClr val="accent2"/>
+          </a:lnRef>
+          <a:fillRef idx="0">
+            <a:schemeClr val="accent2"/>
+          </a:fillRef>
+          <a:effectRef idx="2">
+            <a:schemeClr val="accent2"/>
+          </a:effectRef>
+          <a:fontRef idx="minor">
+            <a:schemeClr val="tx1"/>
+          </a:fontRef>
+        </p:style>
+      </p:cxnSp>
+      <p:sp>
+        <p:nvSpPr>
+          <p:cNvPr id="32" name="Freeform 31"/>
           <p:cNvSpPr/>
           <p:nvPr/>
         </p:nvSpPr>
         <p:spPr>
           <a:xfrm>
-            <a:off x="1314147" y="1833838"/>
-            <a:ext cx="646291" cy="489856"/>
-          </a:xfrm>
-          <a:prstGeom prst="rect">
+            <a:off x="3471970" y="4936385"/>
+            <a:ext cx="680644" cy="405636"/>
+          </a:xfrm>
+          <a:custGeom>
             <a:avLst/>
-          </a:prstGeom>
-          <a:solidFill>
-            <a:srgbClr val="FF0000">
-              <a:alpha val="17000"/>
-            </a:srgbClr>
-          </a:solidFill>
-          <a:ln>
-            <a:noFill/>
+            <a:gdLst>
+              <a:gd name="connsiteX0" fmla="*/ 0 w 680644"/>
+              <a:gd name="connsiteY0" fmla="*/ 405636 h 405636"/>
+              <a:gd name="connsiteX1" fmla="*/ 426262 w 680644"/>
+              <a:gd name="connsiteY1" fmla="*/ 254382 h 405636"/>
+              <a:gd name="connsiteX2" fmla="*/ 680644 w 680644"/>
+              <a:gd name="connsiteY2" fmla="*/ 0 h 405636"/>
+              <a:gd name="connsiteX3" fmla="*/ 680644 w 680644"/>
+              <a:gd name="connsiteY3" fmla="*/ 0 h 405636"/>
+            </a:gdLst>
+            <a:ahLst/>
+            <a:cxnLst>
+              <a:cxn ang="0">
+                <a:pos x="connsiteX0" y="connsiteY0"/>
+              </a:cxn>
+              <a:cxn ang="0">
+                <a:pos x="connsiteX1" y="connsiteY1"/>
+              </a:cxn>
+              <a:cxn ang="0">
+                <a:pos x="connsiteX2" y="connsiteY2"/>
+              </a:cxn>
+              <a:cxn ang="0">
+                <a:pos x="connsiteX3" y="connsiteY3"/>
+              </a:cxn>
+            </a:cxnLst>
+            <a:rect l="l" t="t" r="r" b="b"/>
+            <a:pathLst>
+              <a:path w="680644" h="405636">
+                <a:moveTo>
+                  <a:pt x="0" y="405636"/>
+                </a:moveTo>
+                <a:cubicBezTo>
+                  <a:pt x="156410" y="363812"/>
+                  <a:pt x="312821" y="321988"/>
+                  <a:pt x="426262" y="254382"/>
+                </a:cubicBezTo>
+                <a:cubicBezTo>
+                  <a:pt x="539703" y="186776"/>
+                  <a:pt x="680644" y="0"/>
+                  <a:pt x="680644" y="0"/>
+                </a:cubicBezTo>
+                <a:lnTo>
+                  <a:pt x="680644" y="0"/>
+                </a:lnTo>
+              </a:path>
+            </a:pathLst>
+          </a:custGeom>
+          <a:noFill/>
+          <a:ln w="38100">
+            <a:solidFill>
+              <a:srgbClr val="FF0000"/>
+            </a:solidFill>
+            <a:prstDash val="dash"/>
           </a:ln>
         </p:spPr>
         <p:style>
@@ -4268,58 +4486,10 @@
           </a:p>
         </p:txBody>
       </p:sp>
-      <p:sp>
-        <p:nvSpPr>
-          <p:cNvPr id="9" name="Rectangle 8"/>
-          <p:cNvSpPr/>
-          <p:nvPr/>
-        </p:nvSpPr>
-        <p:spPr>
-          <a:xfrm>
-            <a:off x="2262767" y="3932607"/>
-            <a:ext cx="646291" cy="281883"/>
-          </a:xfrm>
-          <a:prstGeom prst="rect">
-            <a:avLst/>
-          </a:prstGeom>
-          <a:solidFill>
-            <a:srgbClr val="FF0000">
-              <a:alpha val="17000"/>
-            </a:srgbClr>
-          </a:solidFill>
-          <a:ln>
-            <a:noFill/>
-          </a:ln>
-        </p:spPr>
-        <p:style>
-          <a:lnRef idx="2">
-            <a:schemeClr val="accent1">
-              <a:shade val="50000"/>
-            </a:schemeClr>
-          </a:lnRef>
-          <a:fillRef idx="1">
-            <a:schemeClr val="accent1"/>
-          </a:fillRef>
-          <a:effectRef idx="0">
-            <a:schemeClr val="accent1"/>
-          </a:effectRef>
-          <a:fontRef idx="minor">
-            <a:schemeClr val="lt1"/>
-          </a:fontRef>
-        </p:style>
-        <p:txBody>
-          <a:bodyPr rtlCol="0" anchor="ctr"/>
-          <a:lstStyle/>
-          <a:p>
-            <a:pPr algn="ctr"/>
-            <a:endParaRPr lang="en-US"/>
-          </a:p>
-        </p:txBody>
-      </p:sp>
     </p:spTree>
     <p:extLst>
       <p:ext uri="{BB962C8B-B14F-4D97-AF65-F5344CB8AC3E}">
-        <p14:creationId xmlns:p14="http://schemas.microsoft.com/office/powerpoint/2010/main" val="1354048583"/>
+        <p14:creationId xmlns:p14="http://schemas.microsoft.com/office/powerpoint/2010/main" val="3655724432"/>
       </p:ext>
     </p:extLst>
   </p:cSld>
@@ -4346,266 +4516,9 @@
           <a:chExt cx="0" cy="0"/>
         </a:xfrm>
       </p:grpSpPr>
-      <p:sp>
-        <p:nvSpPr>
-          <p:cNvPr id="2" name="TextBox 1"/>
-          <p:cNvSpPr txBox="1"/>
-          <p:nvPr/>
-        </p:nvSpPr>
-        <p:spPr>
-          <a:xfrm>
-            <a:off x="323133" y="192505"/>
-            <a:ext cx="1939634" cy="461665"/>
-          </a:xfrm>
-          <a:prstGeom prst="rect">
-            <a:avLst/>
-          </a:prstGeom>
-          <a:noFill/>
-        </p:spPr>
-        <p:txBody>
-          <a:bodyPr wrap="none" rtlCol="0">
-            <a:spAutoFit/>
-          </a:bodyPr>
-          <a:lstStyle/>
-          <a:p>
-            <a:r>
-              <a:rPr lang="en" sz="2400" dirty="0" smtClean="0">
-                <a:latin typeface="Segoe UI" panose="020B0502040204020203" pitchFamily="34" charset="0"/>
-                <a:cs typeface="Segoe UI" panose="020B0502040204020203" pitchFamily="34" charset="0"/>
-              </a:rPr>
-              <a:t>The tree map</a:t>
-            </a:r>
-            <a:endParaRPr lang="en-US" sz="2400" dirty="0">
-              <a:latin typeface="Segoe UI" panose="020B0502040204020203" pitchFamily="34" charset="0"/>
-              <a:cs typeface="Segoe UI" panose="020B0502040204020203" pitchFamily="34" charset="0"/>
-            </a:endParaRPr>
-          </a:p>
-        </p:txBody>
-      </p:sp>
-      <p:sp>
-        <p:nvSpPr>
-          <p:cNvPr id="4" name="Rectangle 3"/>
-          <p:cNvSpPr/>
-          <p:nvPr/>
-        </p:nvSpPr>
-        <p:spPr>
-          <a:xfrm>
-            <a:off x="442304" y="724479"/>
-            <a:ext cx="10956758" cy="685059"/>
-          </a:xfrm>
-          <a:prstGeom prst="rect">
-            <a:avLst/>
-          </a:prstGeom>
-        </p:spPr>
-        <p:txBody>
-          <a:bodyPr wrap="square">
-            <a:spAutoFit/>
-          </a:bodyPr>
-          <a:lstStyle/>
-          <a:p>
-            <a:pPr lvl="0">
-              <a:lnSpc>
-                <a:spcPct val="107000"/>
-              </a:lnSpc>
-              <a:spcAft>
-                <a:spcPts val="0"/>
-              </a:spcAft>
-            </a:pPr>
-            <a:r>
-              <a:rPr lang="en" dirty="0">
-                <a:latin typeface="Segoe UI" panose="020B0502040204020203" pitchFamily="34" charset="0"/>
-                <a:ea typeface="Calibri" panose="020F0502020204030204" pitchFamily="34" charset="0"/>
-                <a:cs typeface="Times New Roman" panose="02020603050405020304" pitchFamily="18" charset="0"/>
-              </a:rPr>
-              <a:t>It </a:t>
-            </a:r>
-            <a:r>
-              <a:rPr lang="en" dirty="0" err="1">
-                <a:latin typeface="Segoe UI" panose="020B0502040204020203" pitchFamily="34" charset="0"/>
-                <a:ea typeface="Calibri" panose="020F0502020204030204" pitchFamily="34" charset="0"/>
-                <a:cs typeface="Times New Roman" panose="02020603050405020304" pitchFamily="18" charset="0"/>
-              </a:rPr>
-              <a:t>is </a:t>
-            </a:r>
-            <a:r>
-              <a:rPr lang="en" dirty="0">
-                <a:latin typeface="Segoe UI" panose="020B0502040204020203" pitchFamily="34" charset="0"/>
-                <a:ea typeface="Calibri" panose="020F0502020204030204" pitchFamily="34" charset="0"/>
-                <a:cs typeface="Times New Roman" panose="02020603050405020304" pitchFamily="18" charset="0"/>
-              </a:rPr>
-              <a:t>possible to </a:t>
-            </a:r>
-            <a:r>
-              <a:rPr lang="en" dirty="0" err="1">
-                <a:latin typeface="Segoe UI" panose="020B0502040204020203" pitchFamily="34" charset="0"/>
-                <a:ea typeface="Calibri" panose="020F0502020204030204" pitchFamily="34" charset="0"/>
-                <a:cs typeface="Times New Roman" panose="02020603050405020304" pitchFamily="18" charset="0"/>
-              </a:rPr>
-              <a:t>exclude </a:t>
-            </a:r>
-            <a:r>
-              <a:rPr lang="en" dirty="0">
-                <a:latin typeface="Segoe UI" panose="020B0502040204020203" pitchFamily="34" charset="0"/>
-                <a:ea typeface="Calibri" panose="020F0502020204030204" pitchFamily="34" charset="0"/>
-                <a:cs typeface="Times New Roman" panose="02020603050405020304" pitchFamily="18" charset="0"/>
-              </a:rPr>
-              <a:t>or </a:t>
-            </a:r>
-            <a:r>
-              <a:rPr lang="en" dirty="0" err="1">
-                <a:latin typeface="Segoe UI" panose="020B0502040204020203" pitchFamily="34" charset="0"/>
-                <a:ea typeface="Calibri" panose="020F0502020204030204" pitchFamily="34" charset="0"/>
-                <a:cs typeface="Times New Roman" panose="02020603050405020304" pitchFamily="18" charset="0"/>
-              </a:rPr>
-              <a:t>include</a:t>
-            </a:r>
-            <a:r>
-              <a:rPr lang="en" dirty="0">
-                <a:latin typeface="Segoe UI" panose="020B0502040204020203" pitchFamily="34" charset="0"/>
-                <a:ea typeface="Calibri" panose="020F0502020204030204" pitchFamily="34" charset="0"/>
-                <a:cs typeface="Times New Roman" panose="02020603050405020304" pitchFamily="18" charset="0"/>
-              </a:rPr>
-              <a:t> </a:t>
-            </a:r>
-            <a:r>
-              <a:rPr lang="en" dirty="0" err="1">
-                <a:latin typeface="Segoe UI" panose="020B0502040204020203" pitchFamily="34" charset="0"/>
-                <a:ea typeface="Calibri" panose="020F0502020204030204" pitchFamily="34" charset="0"/>
-                <a:cs typeface="Times New Roman" panose="02020603050405020304" pitchFamily="18" charset="0"/>
-              </a:rPr>
-              <a:t>sectors </a:t>
-            </a:r>
-            <a:r>
-              <a:rPr lang="en" dirty="0">
-                <a:latin typeface="Segoe UI" panose="020B0502040204020203" pitchFamily="34" charset="0"/>
-                <a:ea typeface="Calibri" panose="020F0502020204030204" pitchFamily="34" charset="0"/>
-                <a:cs typeface="Times New Roman" panose="02020603050405020304" pitchFamily="18" charset="0"/>
-              </a:rPr>
-              <a:t>in </a:t>
-            </a:r>
-            <a:r>
-              <a:rPr lang="en" dirty="0" err="1">
-                <a:latin typeface="Segoe UI" panose="020B0502040204020203" pitchFamily="34" charset="0"/>
-                <a:ea typeface="Calibri" panose="020F0502020204030204" pitchFamily="34" charset="0"/>
-                <a:cs typeface="Times New Roman" panose="02020603050405020304" pitchFamily="18" charset="0"/>
-              </a:rPr>
-              <a:t>both </a:t>
-            </a:r>
-            <a:r>
-              <a:rPr lang="en" dirty="0">
-                <a:latin typeface="Segoe UI" panose="020B0502040204020203" pitchFamily="34" charset="0"/>
-                <a:ea typeface="Calibri" panose="020F0502020204030204" pitchFamily="34" charset="0"/>
-                <a:cs typeface="Times New Roman" panose="02020603050405020304" pitchFamily="18" charset="0"/>
-              </a:rPr>
-              <a:t>cases of </a:t>
-            </a:r>
-            <a:r>
-              <a:rPr lang="en" dirty="0" err="1">
-                <a:latin typeface="Segoe UI" panose="020B0502040204020203" pitchFamily="34" charset="0"/>
-                <a:ea typeface="Calibri" panose="020F0502020204030204" pitchFamily="34" charset="0"/>
-                <a:cs typeface="Times New Roman" panose="02020603050405020304" pitchFamily="18" charset="0"/>
-              </a:rPr>
-              <a:t>visualizations </a:t>
-            </a:r>
-            <a:r>
-              <a:rPr lang="en" sz="1400" dirty="0">
-                <a:latin typeface="Calibri" panose="020F0502020204030204" pitchFamily="34" charset="0"/>
-                <a:ea typeface="Calibri" panose="020F0502020204030204" pitchFamily="34" charset="0"/>
-                <a:cs typeface="Times New Roman" panose="02020603050405020304" pitchFamily="18" charset="0"/>
-              </a:rPr>
-              <a:t>, </a:t>
-            </a:r>
-            <a:r>
-              <a:rPr lang="en" dirty="0">
-                <a:latin typeface="Segoe UI" panose="020B0502040204020203" pitchFamily="34" charset="0"/>
-                <a:ea typeface="Calibri" panose="020F0502020204030204" pitchFamily="34" charset="0"/>
-                <a:cs typeface="Times New Roman" panose="02020603050405020304" pitchFamily="18" charset="0"/>
-              </a:rPr>
-              <a:t>by </a:t>
-            </a:r>
-            <a:r>
-              <a:rPr lang="en" dirty="0" err="1">
-                <a:latin typeface="Segoe UI" panose="020B0502040204020203" pitchFamily="34" charset="0"/>
-                <a:ea typeface="Calibri" panose="020F0502020204030204" pitchFamily="34" charset="0"/>
-                <a:cs typeface="Times New Roman" panose="02020603050405020304" pitchFamily="18" charset="0"/>
-              </a:rPr>
-              <a:t>right-clicking </a:t>
-            </a:r>
-            <a:r>
-              <a:rPr lang="en" dirty="0">
-                <a:latin typeface="Segoe UI" panose="020B0502040204020203" pitchFamily="34" charset="0"/>
-                <a:ea typeface="Calibri" panose="020F0502020204030204" pitchFamily="34" charset="0"/>
-                <a:cs typeface="Times New Roman" panose="02020603050405020304" pitchFamily="18" charset="0"/>
-              </a:rPr>
-              <a:t>and </a:t>
-            </a:r>
-            <a:r>
-              <a:rPr lang="en" dirty="0" err="1">
-                <a:latin typeface="Segoe UI" panose="020B0502040204020203" pitchFamily="34" charset="0"/>
-                <a:ea typeface="Calibri" panose="020F0502020204030204" pitchFamily="34" charset="0"/>
-                <a:cs typeface="Times New Roman" panose="02020603050405020304" pitchFamily="18" charset="0"/>
-              </a:rPr>
-              <a:t>selecting</a:t>
-            </a:r>
-            <a:r>
-              <a:rPr lang="en" dirty="0">
-                <a:latin typeface="Segoe UI" panose="020B0502040204020203" pitchFamily="34" charset="0"/>
-                <a:ea typeface="Calibri" panose="020F0502020204030204" pitchFamily="34" charset="0"/>
-                <a:cs typeface="Times New Roman" panose="02020603050405020304" pitchFamily="18" charset="0"/>
-              </a:rPr>
-              <a:t> </a:t>
-            </a:r>
-            <a:r>
-              <a:rPr lang="en" b="1" dirty="0" err="1">
-                <a:latin typeface="Segoe UI" panose="020B0502040204020203" pitchFamily="34" charset="0"/>
-                <a:ea typeface="Calibri" panose="020F0502020204030204" pitchFamily="34" charset="0"/>
-                <a:cs typeface="Times New Roman" panose="02020603050405020304" pitchFamily="18" charset="0"/>
-              </a:rPr>
-              <a:t>include</a:t>
-            </a:r>
-            <a:r>
-              <a:rPr lang="en" b="1" dirty="0">
-                <a:latin typeface="Segoe UI" panose="020B0502040204020203" pitchFamily="34" charset="0"/>
-                <a:ea typeface="Calibri" panose="020F0502020204030204" pitchFamily="34" charset="0"/>
-                <a:cs typeface="Times New Roman" panose="02020603050405020304" pitchFamily="18" charset="0"/>
-              </a:rPr>
-              <a:t> </a:t>
-            </a:r>
-            <a:r>
-              <a:rPr lang="en" dirty="0">
-                <a:latin typeface="Segoe UI" panose="020B0502040204020203" pitchFamily="34" charset="0"/>
-                <a:ea typeface="Calibri" panose="020F0502020204030204" pitchFamily="34" charset="0"/>
-                <a:cs typeface="Times New Roman" panose="02020603050405020304" pitchFamily="18" charset="0"/>
-              </a:rPr>
-              <a:t>or </a:t>
-            </a:r>
-            <a:r>
-              <a:rPr lang="en" b="1" dirty="0" err="1">
-                <a:latin typeface="Segoe UI" panose="020B0502040204020203" pitchFamily="34" charset="0"/>
-                <a:ea typeface="Calibri" panose="020F0502020204030204" pitchFamily="34" charset="0"/>
-                <a:cs typeface="Times New Roman" panose="02020603050405020304" pitchFamily="18" charset="0"/>
-              </a:rPr>
-              <a:t>exclude</a:t>
-            </a:r>
-            <a:r>
-              <a:rPr lang="en" dirty="0">
-                <a:latin typeface="Segoe UI" panose="020B0502040204020203" pitchFamily="34" charset="0"/>
-                <a:ea typeface="Calibri" panose="020F0502020204030204" pitchFamily="34" charset="0"/>
-                <a:cs typeface="Times New Roman" panose="02020603050405020304" pitchFamily="18" charset="0"/>
-              </a:rPr>
-              <a:t> </a:t>
-            </a:r>
-            <a:endParaRPr lang="en-US" sz="1400" dirty="0">
-              <a:latin typeface="Calibri" panose="020F0502020204030204" pitchFamily="34" charset="0"/>
-              <a:ea typeface="Calibri" panose="020F0502020204030204" pitchFamily="34" charset="0"/>
-              <a:cs typeface="Times New Roman" panose="02020603050405020304" pitchFamily="18" charset="0"/>
-            </a:endParaRPr>
-          </a:p>
-        </p:txBody>
-      </p:sp>
       <p:pic>
         <p:nvPicPr>
-          <p:cNvPr id="5" name="Picture 4"/>
+          <p:cNvPr id="7" name="Picture 6"/>
           <p:cNvPicPr>
             <a:picLocks noChangeAspect="1"/>
           </p:cNvPicPr>
@@ -4619,8 +4532,594 @@
         </p:blipFill>
         <p:spPr>
           <a:xfrm>
-            <a:off x="515638" y="1567001"/>
-            <a:ext cx="3692991" cy="4280345"/>
+            <a:off x="6351872" y="1235674"/>
+            <a:ext cx="1973443" cy="2739097"/>
+          </a:xfrm>
+          <a:prstGeom prst="rect">
+            <a:avLst/>
+          </a:prstGeom>
+        </p:spPr>
+      </p:pic>
+      <p:pic>
+        <p:nvPicPr>
+          <p:cNvPr id="5" name="Picture 4"/>
+          <p:cNvPicPr>
+            <a:picLocks noChangeAspect="1"/>
+          </p:cNvPicPr>
+          <p:nvPr/>
+        </p:nvPicPr>
+        <p:blipFill>
+          <a:blip r:embed="rId3"/>
+          <a:stretch>
+            <a:fillRect/>
+          </a:stretch>
+        </p:blipFill>
+        <p:spPr>
+          <a:xfrm>
+            <a:off x="461176" y="1235674"/>
+            <a:ext cx="5620534" cy="4896533"/>
+          </a:xfrm>
+          <a:prstGeom prst="rect">
+            <a:avLst/>
+          </a:prstGeom>
+        </p:spPr>
+      </p:pic>
+      <p:sp>
+        <p:nvSpPr>
+          <p:cNvPr id="2" name="TextBox 1"/>
+          <p:cNvSpPr txBox="1"/>
+          <p:nvPr/>
+        </p:nvSpPr>
+        <p:spPr>
+          <a:xfrm>
+            <a:off x="323133" y="192505"/>
+            <a:ext cx="1939634" cy="461665"/>
+          </a:xfrm>
+          <a:prstGeom prst="rect">
+            <a:avLst/>
+          </a:prstGeom>
+          <a:noFill/>
+        </p:spPr>
+        <p:txBody>
+          <a:bodyPr wrap="none" rtlCol="0">
+            <a:spAutoFit/>
+          </a:bodyPr>
+          <a:lstStyle/>
+          <a:p>
+            <a:r>
+              <a:rPr lang="en" sz="2400" dirty="0" smtClean="0">
+                <a:latin typeface="Segoe UI" panose="020B0502040204020203" pitchFamily="34" charset="0"/>
+                <a:cs typeface="Segoe UI" panose="020B0502040204020203" pitchFamily="34" charset="0"/>
+              </a:rPr>
+              <a:t>The tree map</a:t>
+            </a:r>
+            <a:endParaRPr lang="en-US" sz="2400" dirty="0">
+              <a:latin typeface="Segoe UI" panose="020B0502040204020203" pitchFamily="34" charset="0"/>
+              <a:cs typeface="Segoe UI" panose="020B0502040204020203" pitchFamily="34" charset="0"/>
+            </a:endParaRPr>
+          </a:p>
+        </p:txBody>
+      </p:sp>
+      <p:sp>
+        <p:nvSpPr>
+          <p:cNvPr id="3" name="Rectangle 2"/>
+          <p:cNvSpPr/>
+          <p:nvPr/>
+        </p:nvSpPr>
+        <p:spPr>
+          <a:xfrm>
+            <a:off x="394178" y="861982"/>
+            <a:ext cx="11039260" cy="373692"/>
+          </a:xfrm>
+          <a:prstGeom prst="rect">
+            <a:avLst/>
+          </a:prstGeom>
+        </p:spPr>
+        <p:txBody>
+          <a:bodyPr wrap="square">
+            <a:spAutoFit/>
+          </a:bodyPr>
+          <a:lstStyle/>
+          <a:p>
+            <a:pPr lvl="0">
+              <a:lnSpc>
+                <a:spcPct val="107000"/>
+              </a:lnSpc>
+              <a:spcAft>
+                <a:spcPts val="800"/>
+              </a:spcAft>
+            </a:pPr>
+            <a:r>
+              <a:rPr lang="en" dirty="0" smtClean="0">
+                <a:latin typeface="Segoe UI" panose="020B0502040204020203" pitchFamily="34" charset="0"/>
+                <a:ea typeface="Calibri" panose="020F0502020204030204" pitchFamily="34" charset="0"/>
+                <a:cs typeface="Times New Roman" panose="02020603050405020304" pitchFamily="18" charset="0"/>
+              </a:rPr>
+              <a:t>Also for the TreeMap Details field</a:t>
+            </a:r>
+            <a:endParaRPr lang="en-US" sz="1400" dirty="0">
+              <a:effectLst/>
+              <a:latin typeface="Calibri" panose="020F0502020204030204" pitchFamily="34" charset="0"/>
+              <a:ea typeface="Calibri" panose="020F0502020204030204" pitchFamily="34" charset="0"/>
+              <a:cs typeface="Times New Roman" panose="02020603050405020304" pitchFamily="18" charset="0"/>
+            </a:endParaRPr>
+          </a:p>
+        </p:txBody>
+      </p:sp>
+      <p:cxnSp>
+        <p:nvCxnSpPr>
+          <p:cNvPr id="13" name="Straight Arrow Connector 12"/>
+          <p:cNvCxnSpPr/>
+          <p:nvPr/>
+        </p:nvCxnSpPr>
+        <p:spPr>
+          <a:xfrm flipH="1">
+            <a:off x="1931928" y="1890677"/>
+            <a:ext cx="3251964" cy="1966303"/>
+          </a:xfrm>
+          <a:prstGeom prst="straightConnector1">
+            <a:avLst/>
+          </a:prstGeom>
+          <a:ln>
+            <a:solidFill>
+              <a:srgbClr val="FF0000"/>
+            </a:solidFill>
+            <a:tailEnd type="triangle"/>
+          </a:ln>
+        </p:spPr>
+        <p:style>
+          <a:lnRef idx="3">
+            <a:schemeClr val="accent2"/>
+          </a:lnRef>
+          <a:fillRef idx="0">
+            <a:schemeClr val="accent2"/>
+          </a:fillRef>
+          <a:effectRef idx="2">
+            <a:schemeClr val="accent2"/>
+          </a:effectRef>
+          <a:fontRef idx="minor">
+            <a:schemeClr val="tx1"/>
+          </a:fontRef>
+        </p:style>
+      </p:cxnSp>
+      <p:cxnSp>
+        <p:nvCxnSpPr>
+          <p:cNvPr id="14" name="Straight Arrow Connector 13"/>
+          <p:cNvCxnSpPr/>
+          <p:nvPr/>
+        </p:nvCxnSpPr>
+        <p:spPr>
+          <a:xfrm flipV="1">
+            <a:off x="5204517" y="1443486"/>
+            <a:ext cx="1278785" cy="454066"/>
+          </a:xfrm>
+          <a:prstGeom prst="straightConnector1">
+            <a:avLst/>
+          </a:prstGeom>
+          <a:ln>
+            <a:solidFill>
+              <a:srgbClr val="FF0000"/>
+            </a:solidFill>
+            <a:tailEnd type="triangle"/>
+          </a:ln>
+        </p:spPr>
+        <p:style>
+          <a:lnRef idx="3">
+            <a:schemeClr val="accent2"/>
+          </a:lnRef>
+          <a:fillRef idx="0">
+            <a:schemeClr val="accent2"/>
+          </a:fillRef>
+          <a:effectRef idx="2">
+            <a:schemeClr val="accent2"/>
+          </a:effectRef>
+          <a:fontRef idx="minor">
+            <a:schemeClr val="tx1"/>
+          </a:fontRef>
+        </p:style>
+      </p:cxnSp>
+      <p:cxnSp>
+        <p:nvCxnSpPr>
+          <p:cNvPr id="27" name="Straight Connector 26"/>
+          <p:cNvCxnSpPr/>
+          <p:nvPr/>
+        </p:nvCxnSpPr>
+        <p:spPr>
+          <a:xfrm>
+            <a:off x="570640" y="3891357"/>
+            <a:ext cx="6876" cy="1175657"/>
+          </a:xfrm>
+          <a:prstGeom prst="line">
+            <a:avLst/>
+          </a:prstGeom>
+          <a:ln w="38100">
+            <a:solidFill>
+              <a:srgbClr val="FF0000"/>
+            </a:solidFill>
+            <a:prstDash val="dash"/>
+          </a:ln>
+        </p:spPr>
+        <p:style>
+          <a:lnRef idx="3">
+            <a:schemeClr val="accent2"/>
+          </a:lnRef>
+          <a:fillRef idx="0">
+            <a:schemeClr val="accent2"/>
+          </a:fillRef>
+          <a:effectRef idx="2">
+            <a:schemeClr val="accent2"/>
+          </a:effectRef>
+          <a:fontRef idx="minor">
+            <a:schemeClr val="tx1"/>
+          </a:fontRef>
+        </p:style>
+      </p:cxnSp>
+      <p:cxnSp>
+        <p:nvCxnSpPr>
+          <p:cNvPr id="29" name="Straight Connector 28"/>
+          <p:cNvCxnSpPr/>
+          <p:nvPr/>
+        </p:nvCxnSpPr>
+        <p:spPr>
+          <a:xfrm flipV="1">
+            <a:off x="562750" y="3843230"/>
+            <a:ext cx="2011402" cy="13750"/>
+          </a:xfrm>
+          <a:prstGeom prst="line">
+            <a:avLst/>
+          </a:prstGeom>
+          <a:ln w="38100">
+            <a:solidFill>
+              <a:srgbClr val="FF0000"/>
+            </a:solidFill>
+            <a:prstDash val="dash"/>
+          </a:ln>
+        </p:spPr>
+        <p:style>
+          <a:lnRef idx="3">
+            <a:schemeClr val="accent2"/>
+          </a:lnRef>
+          <a:fillRef idx="0">
+            <a:schemeClr val="accent2"/>
+          </a:fillRef>
+          <a:effectRef idx="2">
+            <a:schemeClr val="accent2"/>
+          </a:effectRef>
+          <a:fontRef idx="minor">
+            <a:schemeClr val="tx1"/>
+          </a:fontRef>
+        </p:style>
+      </p:cxnSp>
+      <p:cxnSp>
+        <p:nvCxnSpPr>
+          <p:cNvPr id="16" name="Straight Connector 15"/>
+          <p:cNvCxnSpPr/>
+          <p:nvPr/>
+        </p:nvCxnSpPr>
+        <p:spPr>
+          <a:xfrm flipV="1">
+            <a:off x="601170" y="4987718"/>
+            <a:ext cx="2011402" cy="13750"/>
+          </a:xfrm>
+          <a:prstGeom prst="line">
+            <a:avLst/>
+          </a:prstGeom>
+          <a:ln w="38100">
+            <a:solidFill>
+              <a:srgbClr val="FF0000"/>
+            </a:solidFill>
+            <a:prstDash val="dash"/>
+          </a:ln>
+        </p:spPr>
+        <p:style>
+          <a:lnRef idx="3">
+            <a:schemeClr val="accent2"/>
+          </a:lnRef>
+          <a:fillRef idx="0">
+            <a:schemeClr val="accent2"/>
+          </a:fillRef>
+          <a:effectRef idx="2">
+            <a:schemeClr val="accent2"/>
+          </a:effectRef>
+          <a:fontRef idx="minor">
+            <a:schemeClr val="tx1"/>
+          </a:fontRef>
+        </p:style>
+      </p:cxnSp>
+      <p:cxnSp>
+        <p:nvCxnSpPr>
+          <p:cNvPr id="17" name="Straight Connector 16"/>
+          <p:cNvCxnSpPr/>
+          <p:nvPr/>
+        </p:nvCxnSpPr>
+        <p:spPr>
+          <a:xfrm flipV="1">
+            <a:off x="2574152" y="3856980"/>
+            <a:ext cx="0" cy="1137613"/>
+          </a:xfrm>
+          <a:prstGeom prst="line">
+            <a:avLst/>
+          </a:prstGeom>
+          <a:ln w="38100">
+            <a:solidFill>
+              <a:srgbClr val="FF0000"/>
+            </a:solidFill>
+            <a:prstDash val="dash"/>
+          </a:ln>
+        </p:spPr>
+        <p:style>
+          <a:lnRef idx="3">
+            <a:schemeClr val="accent2"/>
+          </a:lnRef>
+          <a:fillRef idx="0">
+            <a:schemeClr val="accent2"/>
+          </a:fillRef>
+          <a:effectRef idx="2">
+            <a:schemeClr val="accent2"/>
+          </a:effectRef>
+          <a:fontRef idx="minor">
+            <a:schemeClr val="tx1"/>
+          </a:fontRef>
+        </p:style>
+      </p:cxnSp>
+    </p:spTree>
+    <p:extLst>
+      <p:ext uri="{BB962C8B-B14F-4D97-AF65-F5344CB8AC3E}">
+        <p14:creationId xmlns:p14="http://schemas.microsoft.com/office/powerpoint/2010/main" val="3251604277"/>
+      </p:ext>
+    </p:extLst>
+  </p:cSld>
+  <p:clrMapOvr>
+    <a:masterClrMapping/>
+  </p:clrMapOvr>
+</p:sld>
+</file>
+
+<file path=ppt/slides/slide6.xml><?xml version="1.0" encoding="utf-8"?>
+<p:sld xmlns:a="http://schemas.openxmlformats.org/drawingml/2006/main" xmlns:r="http://schemas.openxmlformats.org/officeDocument/2006/relationships" xmlns:p="http://schemas.openxmlformats.org/presentationml/2006/main">
+  <p:cSld>
+    <p:spTree>
+      <p:nvGrpSpPr>
+        <p:cNvPr id="1" name=""/>
+        <p:cNvGrpSpPr/>
+        <p:nvPr/>
+      </p:nvGrpSpPr>
+      <p:grpSpPr>
+        <a:xfrm>
+          <a:off x="0" y="0"/>
+          <a:ext cx="0" cy="0"/>
+          <a:chOff x="0" y="0"/>
+          <a:chExt cx="0" cy="0"/>
+        </a:xfrm>
+      </p:grpSpPr>
+      <p:sp>
+        <p:nvSpPr>
+          <p:cNvPr id="2" name="TextBox 1"/>
+          <p:cNvSpPr txBox="1"/>
+          <p:nvPr/>
+        </p:nvSpPr>
+        <p:spPr>
+          <a:xfrm>
+            <a:off x="323133" y="192505"/>
+            <a:ext cx="1939634" cy="461665"/>
+          </a:xfrm>
+          <a:prstGeom prst="rect">
+            <a:avLst/>
+          </a:prstGeom>
+          <a:noFill/>
+        </p:spPr>
+        <p:txBody>
+          <a:bodyPr wrap="none" rtlCol="0">
+            <a:spAutoFit/>
+          </a:bodyPr>
+          <a:lstStyle/>
+          <a:p>
+            <a:r>
+              <a:rPr lang="en" sz="2400" dirty="0" smtClean="0">
+                <a:latin typeface="Segoe UI" panose="020B0502040204020203" pitchFamily="34" charset="0"/>
+                <a:cs typeface="Segoe UI" panose="020B0502040204020203" pitchFamily="34" charset="0"/>
+              </a:rPr>
+              <a:t>The tree map</a:t>
+            </a:r>
+            <a:endParaRPr lang="en-US" sz="2400" dirty="0">
+              <a:latin typeface="Segoe UI" panose="020B0502040204020203" pitchFamily="34" charset="0"/>
+              <a:cs typeface="Segoe UI" panose="020B0502040204020203" pitchFamily="34" charset="0"/>
+            </a:endParaRPr>
+          </a:p>
+        </p:txBody>
+      </p:sp>
+      <p:sp>
+        <p:nvSpPr>
+          <p:cNvPr id="4" name="Rectangle 3"/>
+          <p:cNvSpPr/>
+          <p:nvPr/>
+        </p:nvSpPr>
+        <p:spPr>
+          <a:xfrm>
+            <a:off x="263548" y="948288"/>
+            <a:ext cx="10434243" cy="388696"/>
+          </a:xfrm>
+          <a:prstGeom prst="rect">
+            <a:avLst/>
+          </a:prstGeom>
+        </p:spPr>
+        <p:txBody>
+          <a:bodyPr wrap="square">
+            <a:spAutoFit/>
+          </a:bodyPr>
+          <a:lstStyle/>
+          <a:p>
+            <a:pPr lvl="0">
+              <a:lnSpc>
+                <a:spcPct val="107000"/>
+              </a:lnSpc>
+              <a:spcAft>
+                <a:spcPts val="800"/>
+              </a:spcAft>
+            </a:pPr>
+            <a:r>
+              <a:rPr lang="en" dirty="0" err="1">
+                <a:latin typeface="Segoe UI" panose="020B0502040204020203" pitchFamily="34" charset="0"/>
+                <a:ea typeface="Calibri" panose="020F0502020204030204" pitchFamily="34" charset="0"/>
+                <a:cs typeface="Times New Roman" panose="02020603050405020304" pitchFamily="18" charset="0"/>
+              </a:rPr>
+              <a:t>Add </a:t>
+            </a:r>
+            <a:r>
+              <a:rPr lang="en" dirty="0">
+                <a:latin typeface="Segoe UI" panose="020B0502040204020203" pitchFamily="34" charset="0"/>
+                <a:ea typeface="Calibri" panose="020F0502020204030204" pitchFamily="34" charset="0"/>
+                <a:cs typeface="Times New Roman" panose="02020603050405020304" pitchFamily="18" charset="0"/>
+              </a:rPr>
+              <a:t>a </a:t>
+            </a:r>
+            <a:r>
+              <a:rPr lang="en" dirty="0" err="1">
+                <a:latin typeface="Segoe UI" panose="020B0502040204020203" pitchFamily="34" charset="0"/>
+                <a:ea typeface="Calibri" panose="020F0502020204030204" pitchFamily="34" charset="0"/>
+                <a:cs typeface="Times New Roman" panose="02020603050405020304" pitchFamily="18" charset="0"/>
+              </a:rPr>
+              <a:t>legend </a:t>
+            </a:r>
+            <a:r>
+              <a:rPr lang="en" dirty="0">
+                <a:latin typeface="Segoe UI" panose="020B0502040204020203" pitchFamily="34" charset="0"/>
+                <a:ea typeface="Calibri" panose="020F0502020204030204" pitchFamily="34" charset="0"/>
+                <a:cs typeface="Times New Roman" panose="02020603050405020304" pitchFamily="18" charset="0"/>
+              </a:rPr>
+              <a:t>to the </a:t>
+            </a:r>
+            <a:r>
+              <a:rPr lang="en" b="1" dirty="0" err="1">
+                <a:latin typeface="Segoe UI" panose="020B0502040204020203" pitchFamily="34" charset="0"/>
+                <a:ea typeface="Calibri" panose="020F0502020204030204" pitchFamily="34" charset="0"/>
+                <a:cs typeface="Times New Roman" panose="02020603050405020304" pitchFamily="18" charset="0"/>
+              </a:rPr>
+              <a:t>TreeMap</a:t>
+            </a:r>
+            <a:r>
+              <a:rPr lang="en" b="1" dirty="0">
+                <a:latin typeface="Segoe UI" panose="020B0502040204020203" pitchFamily="34" charset="0"/>
+                <a:ea typeface="Calibri" panose="020F0502020204030204" pitchFamily="34" charset="0"/>
+                <a:cs typeface="Times New Roman" panose="02020603050405020304" pitchFamily="18" charset="0"/>
+              </a:rPr>
+              <a:t> </a:t>
+            </a:r>
+            <a:r>
+              <a:rPr lang="en" b="1" dirty="0" err="1">
+                <a:latin typeface="Segoe UI" panose="020B0502040204020203" pitchFamily="34" charset="0"/>
+                <a:ea typeface="Calibri" panose="020F0502020204030204" pitchFamily="34" charset="0"/>
+                <a:cs typeface="Times New Roman" panose="02020603050405020304" pitchFamily="18" charset="0"/>
+              </a:rPr>
+              <a:t>level </a:t>
+            </a:r>
+            <a:r>
+              <a:rPr lang="en" b="1" dirty="0">
+                <a:latin typeface="Segoe UI" panose="020B0502040204020203" pitchFamily="34" charset="0"/>
+                <a:ea typeface="Calibri" panose="020F0502020204030204" pitchFamily="34" charset="0"/>
+                <a:cs typeface="Times New Roman" panose="02020603050405020304" pitchFamily="18" charset="0"/>
+              </a:rPr>
+              <a:t>by </a:t>
+            </a:r>
+            <a:r>
+              <a:rPr lang="en" b="1" dirty="0" err="1">
+                <a:latin typeface="Segoe UI" panose="020B0502040204020203" pitchFamily="34" charset="0"/>
+                <a:ea typeface="Calibri" panose="020F0502020204030204" pitchFamily="34" charset="0"/>
+                <a:cs typeface="Times New Roman" panose="02020603050405020304" pitchFamily="18" charset="0"/>
+              </a:rPr>
+              <a:t>selecting </a:t>
+            </a:r>
+            <a:r>
+              <a:rPr lang="en" b="1" dirty="0">
+                <a:latin typeface="Segoe UI" panose="020B0502040204020203" pitchFamily="34" charset="0"/>
+                <a:ea typeface="Calibri" panose="020F0502020204030204" pitchFamily="34" charset="0"/>
+                <a:cs typeface="Times New Roman" panose="02020603050405020304" pitchFamily="18" charset="0"/>
+              </a:rPr>
+              <a:t>the </a:t>
+            </a:r>
+            <a:r>
+              <a:rPr lang="en" dirty="0">
+                <a:latin typeface="Segoe UI" panose="020B0502040204020203" pitchFamily="34" charset="0"/>
+                <a:ea typeface="Calibri" panose="020F0502020204030204" pitchFamily="34" charset="0"/>
+                <a:cs typeface="Times New Roman" panose="02020603050405020304" pitchFamily="18" charset="0"/>
+              </a:rPr>
+              <a:t>Format section </a:t>
+            </a:r>
+            <a:r>
+              <a:rPr lang="en" dirty="0" err="1">
+                <a:latin typeface="Segoe UI" panose="020B0502040204020203" pitchFamily="34" charset="0"/>
+                <a:ea typeface="Calibri" panose="020F0502020204030204" pitchFamily="34" charset="0"/>
+                <a:cs typeface="Times New Roman" panose="02020603050405020304" pitchFamily="18" charset="0"/>
+              </a:rPr>
+              <a:t>then</a:t>
+            </a:r>
+            <a:r>
+              <a:rPr lang="en" dirty="0">
+                <a:latin typeface="Segoe UI" panose="020B0502040204020203" pitchFamily="34" charset="0"/>
+                <a:ea typeface="Calibri" panose="020F0502020204030204" pitchFamily="34" charset="0"/>
+                <a:cs typeface="Times New Roman" panose="02020603050405020304" pitchFamily="18" charset="0"/>
+              </a:rPr>
+              <a:t> </a:t>
+            </a:r>
+            <a:r>
+              <a:rPr lang="en" dirty="0" err="1">
+                <a:latin typeface="Segoe UI" panose="020B0502040204020203" pitchFamily="34" charset="0"/>
+                <a:ea typeface="Calibri" panose="020F0502020204030204" pitchFamily="34" charset="0"/>
+                <a:cs typeface="Times New Roman" panose="02020603050405020304" pitchFamily="18" charset="0"/>
+              </a:rPr>
+              <a:t>activation</a:t>
+            </a:r>
+            <a:r>
+              <a:rPr lang="en" dirty="0">
+                <a:latin typeface="Segoe UI" panose="020B0502040204020203" pitchFamily="34" charset="0"/>
+                <a:ea typeface="Calibri" panose="020F0502020204030204" pitchFamily="34" charset="0"/>
+                <a:cs typeface="Times New Roman" panose="02020603050405020304" pitchFamily="18" charset="0"/>
+              </a:rPr>
+              <a:t> </a:t>
+            </a:r>
+            <a:r>
+              <a:rPr lang="en" b="1" dirty="0" err="1">
+                <a:latin typeface="Segoe UI" panose="020B0502040204020203" pitchFamily="34" charset="0"/>
+                <a:ea typeface="Calibri" panose="020F0502020204030204" pitchFamily="34" charset="0"/>
+                <a:cs typeface="Times New Roman" panose="02020603050405020304" pitchFamily="18" charset="0"/>
+              </a:rPr>
+              <a:t>Legend</a:t>
+            </a:r>
+            <a:r>
+              <a:rPr lang="en" dirty="0">
+                <a:latin typeface="Segoe UI" panose="020B0502040204020203" pitchFamily="34" charset="0"/>
+                <a:ea typeface="Calibri" panose="020F0502020204030204" pitchFamily="34" charset="0"/>
+                <a:cs typeface="Times New Roman" panose="02020603050405020304" pitchFamily="18" charset="0"/>
+              </a:rPr>
+              <a:t>   </a:t>
+            </a:r>
+            <a:endParaRPr lang="en-US" sz="1400" dirty="0">
+              <a:effectLst/>
+              <a:latin typeface="Calibri" panose="020F0502020204030204" pitchFamily="34" charset="0"/>
+              <a:ea typeface="Calibri" panose="020F0502020204030204" pitchFamily="34" charset="0"/>
+              <a:cs typeface="Times New Roman" panose="02020603050405020304" pitchFamily="18" charset="0"/>
+            </a:endParaRPr>
+          </a:p>
+        </p:txBody>
+      </p:sp>
+      <p:pic>
+        <p:nvPicPr>
+          <p:cNvPr id="3" name="Picture 2"/>
+          <p:cNvPicPr>
+            <a:picLocks noChangeAspect="1"/>
+          </p:cNvPicPr>
+          <p:nvPr/>
+        </p:nvPicPr>
+        <p:blipFill>
+          <a:blip r:embed="rId2"/>
+          <a:stretch>
+            <a:fillRect/>
+          </a:stretch>
+        </p:blipFill>
+        <p:spPr>
+          <a:xfrm>
+            <a:off x="365528" y="1452021"/>
+            <a:ext cx="2543530" cy="4696480"/>
           </a:xfrm>
           <a:prstGeom prst="rect">
             <a:avLst/>
@@ -4637,6 +5136,102 @@
           </a:effectLst>
         </p:spPr>
       </p:pic>
+      <p:sp>
+        <p:nvSpPr>
+          <p:cNvPr id="8" name="Rectangle 7"/>
+          <p:cNvSpPr/>
+          <p:nvPr/>
+        </p:nvSpPr>
+        <p:spPr>
+          <a:xfrm>
+            <a:off x="1314147" y="1833838"/>
+            <a:ext cx="646291" cy="489856"/>
+          </a:xfrm>
+          <a:prstGeom prst="rect">
+            <a:avLst/>
+          </a:prstGeom>
+          <a:solidFill>
+            <a:srgbClr val="FF0000">
+              <a:alpha val="17000"/>
+            </a:srgbClr>
+          </a:solidFill>
+          <a:ln>
+            <a:noFill/>
+          </a:ln>
+        </p:spPr>
+        <p:style>
+          <a:lnRef idx="2">
+            <a:schemeClr val="accent1">
+              <a:shade val="50000"/>
+            </a:schemeClr>
+          </a:lnRef>
+          <a:fillRef idx="1">
+            <a:schemeClr val="accent1"/>
+          </a:fillRef>
+          <a:effectRef idx="0">
+            <a:schemeClr val="accent1"/>
+          </a:effectRef>
+          <a:fontRef idx="minor">
+            <a:schemeClr val="lt1"/>
+          </a:fontRef>
+        </p:style>
+        <p:txBody>
+          <a:bodyPr rtlCol="0" anchor="ctr"/>
+          <a:lstStyle/>
+          <a:p>
+            <a:pPr algn="ctr"/>
+            <a:endParaRPr lang="en-US"/>
+          </a:p>
+        </p:txBody>
+      </p:sp>
+      <p:sp>
+        <p:nvSpPr>
+          <p:cNvPr id="9" name="Rectangle 8"/>
+          <p:cNvSpPr/>
+          <p:nvPr/>
+        </p:nvSpPr>
+        <p:spPr>
+          <a:xfrm>
+            <a:off x="2262767" y="3932607"/>
+            <a:ext cx="646291" cy="281883"/>
+          </a:xfrm>
+          <a:prstGeom prst="rect">
+            <a:avLst/>
+          </a:prstGeom>
+          <a:solidFill>
+            <a:srgbClr val="FF0000">
+              <a:alpha val="17000"/>
+            </a:srgbClr>
+          </a:solidFill>
+          <a:ln>
+            <a:noFill/>
+          </a:ln>
+        </p:spPr>
+        <p:style>
+          <a:lnRef idx="2">
+            <a:schemeClr val="accent1">
+              <a:shade val="50000"/>
+            </a:schemeClr>
+          </a:lnRef>
+          <a:fillRef idx="1">
+            <a:schemeClr val="accent1"/>
+          </a:fillRef>
+          <a:effectRef idx="0">
+            <a:schemeClr val="accent1"/>
+          </a:effectRef>
+          <a:fontRef idx="minor">
+            <a:schemeClr val="lt1"/>
+          </a:fontRef>
+        </p:style>
+        <p:txBody>
+          <a:bodyPr rtlCol="0" anchor="ctr"/>
+          <a:lstStyle/>
+          <a:p>
+            <a:pPr algn="ctr"/>
+            <a:endParaRPr lang="en-US"/>
+          </a:p>
+        </p:txBody>
+      </p:sp>
       <p:pic>
         <p:nvPicPr>
           <p:cNvPr id="6" name="Picture 5"/>
@@ -4653,8 +5248,343 @@
         </p:blipFill>
         <p:spPr>
           <a:xfrm>
+            <a:off x="3460803" y="1336984"/>
+            <a:ext cx="5572903" cy="4972744"/>
+          </a:xfrm>
+          <a:prstGeom prst="rect">
+            <a:avLst/>
+          </a:prstGeom>
+        </p:spPr>
+      </p:pic>
+    </p:spTree>
+    <p:extLst>
+      <p:ext uri="{BB962C8B-B14F-4D97-AF65-F5344CB8AC3E}">
+        <p14:creationId xmlns:p14="http://schemas.microsoft.com/office/powerpoint/2010/main" val="1354048583"/>
+      </p:ext>
+    </p:extLst>
+  </p:cSld>
+  <p:clrMapOvr>
+    <a:masterClrMapping/>
+  </p:clrMapOvr>
+</p:sld>
+</file>
+
+<file path=ppt/slides/slide7.xml><?xml version="1.0" encoding="utf-8"?>
+<p:sld xmlns:a="http://schemas.openxmlformats.org/drawingml/2006/main" xmlns:r="http://schemas.openxmlformats.org/officeDocument/2006/relationships" xmlns:p="http://schemas.openxmlformats.org/presentationml/2006/main">
+  <p:cSld>
+    <p:spTree>
+      <p:nvGrpSpPr>
+        <p:cNvPr id="1" name=""/>
+        <p:cNvGrpSpPr/>
+        <p:nvPr/>
+      </p:nvGrpSpPr>
+      <p:grpSpPr>
+        <a:xfrm>
+          <a:off x="0" y="0"/>
+          <a:ext cx="0" cy="0"/>
+          <a:chOff x="0" y="0"/>
+          <a:chExt cx="0" cy="0"/>
+        </a:xfrm>
+      </p:grpSpPr>
+      <p:sp>
+        <p:nvSpPr>
+          <p:cNvPr id="2" name="TextBox 1"/>
+          <p:cNvSpPr txBox="1"/>
+          <p:nvPr/>
+        </p:nvSpPr>
+        <p:spPr>
+          <a:xfrm>
+            <a:off x="323133" y="192505"/>
+            <a:ext cx="1939634" cy="461665"/>
+          </a:xfrm>
+          <a:prstGeom prst="rect">
+            <a:avLst/>
+          </a:prstGeom>
+          <a:noFill/>
+        </p:spPr>
+        <p:txBody>
+          <a:bodyPr wrap="none" rtlCol="0">
+            <a:spAutoFit/>
+          </a:bodyPr>
+          <a:lstStyle/>
+          <a:p>
+            <a:r>
+              <a:rPr lang="en" sz="2400" dirty="0" smtClean="0">
+                <a:latin typeface="Segoe UI" panose="020B0502040204020203" pitchFamily="34" charset="0"/>
+                <a:cs typeface="Segoe UI" panose="020B0502040204020203" pitchFamily="34" charset="0"/>
+              </a:rPr>
+              <a:t>The tree map</a:t>
+            </a:r>
+            <a:endParaRPr lang="en-US" sz="2400" dirty="0">
+              <a:latin typeface="Segoe UI" panose="020B0502040204020203" pitchFamily="34" charset="0"/>
+              <a:cs typeface="Segoe UI" panose="020B0502040204020203" pitchFamily="34" charset="0"/>
+            </a:endParaRPr>
+          </a:p>
+        </p:txBody>
+      </p:sp>
+      <p:sp>
+        <p:nvSpPr>
+          <p:cNvPr id="4" name="Rectangle 3"/>
+          <p:cNvSpPr/>
+          <p:nvPr/>
+        </p:nvSpPr>
+        <p:spPr>
+          <a:xfrm>
+            <a:off x="442304" y="724479"/>
+            <a:ext cx="10956758" cy="685059"/>
+          </a:xfrm>
+          <a:prstGeom prst="rect">
+            <a:avLst/>
+          </a:prstGeom>
+        </p:spPr>
+        <p:txBody>
+          <a:bodyPr wrap="square">
+            <a:spAutoFit/>
+          </a:bodyPr>
+          <a:lstStyle/>
+          <a:p>
+            <a:pPr lvl="0">
+              <a:lnSpc>
+                <a:spcPct val="107000"/>
+              </a:lnSpc>
+              <a:spcAft>
+                <a:spcPts val="0"/>
+              </a:spcAft>
+            </a:pPr>
+            <a:r>
+              <a:rPr lang="en" dirty="0">
+                <a:latin typeface="Segoe UI" panose="020B0502040204020203" pitchFamily="34" charset="0"/>
+                <a:ea typeface="Calibri" panose="020F0502020204030204" pitchFamily="34" charset="0"/>
+                <a:cs typeface="Times New Roman" panose="02020603050405020304" pitchFamily="18" charset="0"/>
+              </a:rPr>
+              <a:t>It </a:t>
+            </a:r>
+            <a:r>
+              <a:rPr lang="en" dirty="0" err="1">
+                <a:latin typeface="Segoe UI" panose="020B0502040204020203" pitchFamily="34" charset="0"/>
+                <a:ea typeface="Calibri" panose="020F0502020204030204" pitchFamily="34" charset="0"/>
+                <a:cs typeface="Times New Roman" panose="02020603050405020304" pitchFamily="18" charset="0"/>
+              </a:rPr>
+              <a:t>is </a:t>
+            </a:r>
+            <a:r>
+              <a:rPr lang="en" dirty="0">
+                <a:latin typeface="Segoe UI" panose="020B0502040204020203" pitchFamily="34" charset="0"/>
+                <a:ea typeface="Calibri" panose="020F0502020204030204" pitchFamily="34" charset="0"/>
+                <a:cs typeface="Times New Roman" panose="02020603050405020304" pitchFamily="18" charset="0"/>
+              </a:rPr>
+              <a:t>possible to </a:t>
+            </a:r>
+            <a:r>
+              <a:rPr lang="en" dirty="0" err="1">
+                <a:latin typeface="Segoe UI" panose="020B0502040204020203" pitchFamily="34" charset="0"/>
+                <a:ea typeface="Calibri" panose="020F0502020204030204" pitchFamily="34" charset="0"/>
+                <a:cs typeface="Times New Roman" panose="02020603050405020304" pitchFamily="18" charset="0"/>
+              </a:rPr>
+              <a:t>exclude </a:t>
+            </a:r>
+            <a:r>
+              <a:rPr lang="en" dirty="0">
+                <a:latin typeface="Segoe UI" panose="020B0502040204020203" pitchFamily="34" charset="0"/>
+                <a:ea typeface="Calibri" panose="020F0502020204030204" pitchFamily="34" charset="0"/>
+                <a:cs typeface="Times New Roman" panose="02020603050405020304" pitchFamily="18" charset="0"/>
+              </a:rPr>
+              <a:t>or </a:t>
+            </a:r>
+            <a:r>
+              <a:rPr lang="en" dirty="0" err="1">
+                <a:latin typeface="Segoe UI" panose="020B0502040204020203" pitchFamily="34" charset="0"/>
+                <a:ea typeface="Calibri" panose="020F0502020204030204" pitchFamily="34" charset="0"/>
+                <a:cs typeface="Times New Roman" panose="02020603050405020304" pitchFamily="18" charset="0"/>
+              </a:rPr>
+              <a:t>include</a:t>
+            </a:r>
+            <a:r>
+              <a:rPr lang="en" dirty="0">
+                <a:latin typeface="Segoe UI" panose="020B0502040204020203" pitchFamily="34" charset="0"/>
+                <a:ea typeface="Calibri" panose="020F0502020204030204" pitchFamily="34" charset="0"/>
+                <a:cs typeface="Times New Roman" panose="02020603050405020304" pitchFamily="18" charset="0"/>
+              </a:rPr>
+              <a:t> </a:t>
+            </a:r>
+            <a:r>
+              <a:rPr lang="en" dirty="0" err="1">
+                <a:latin typeface="Segoe UI" panose="020B0502040204020203" pitchFamily="34" charset="0"/>
+                <a:ea typeface="Calibri" panose="020F0502020204030204" pitchFamily="34" charset="0"/>
+                <a:cs typeface="Times New Roman" panose="02020603050405020304" pitchFamily="18" charset="0"/>
+              </a:rPr>
+              <a:t>sectors </a:t>
+            </a:r>
+            <a:r>
+              <a:rPr lang="en" dirty="0">
+                <a:latin typeface="Segoe UI" panose="020B0502040204020203" pitchFamily="34" charset="0"/>
+                <a:ea typeface="Calibri" panose="020F0502020204030204" pitchFamily="34" charset="0"/>
+                <a:cs typeface="Times New Roman" panose="02020603050405020304" pitchFamily="18" charset="0"/>
+              </a:rPr>
+              <a:t>in </a:t>
+            </a:r>
+            <a:r>
+              <a:rPr lang="en" dirty="0" err="1">
+                <a:latin typeface="Segoe UI" panose="020B0502040204020203" pitchFamily="34" charset="0"/>
+                <a:ea typeface="Calibri" panose="020F0502020204030204" pitchFamily="34" charset="0"/>
+                <a:cs typeface="Times New Roman" panose="02020603050405020304" pitchFamily="18" charset="0"/>
+              </a:rPr>
+              <a:t>both </a:t>
+            </a:r>
+            <a:r>
+              <a:rPr lang="en" dirty="0">
+                <a:latin typeface="Segoe UI" panose="020B0502040204020203" pitchFamily="34" charset="0"/>
+                <a:ea typeface="Calibri" panose="020F0502020204030204" pitchFamily="34" charset="0"/>
+                <a:cs typeface="Times New Roman" panose="02020603050405020304" pitchFamily="18" charset="0"/>
+              </a:rPr>
+              <a:t>cases of </a:t>
+            </a:r>
+            <a:r>
+              <a:rPr lang="en" dirty="0" err="1">
+                <a:latin typeface="Segoe UI" panose="020B0502040204020203" pitchFamily="34" charset="0"/>
+                <a:ea typeface="Calibri" panose="020F0502020204030204" pitchFamily="34" charset="0"/>
+                <a:cs typeface="Times New Roman" panose="02020603050405020304" pitchFamily="18" charset="0"/>
+              </a:rPr>
+              <a:t>visualizations </a:t>
+            </a:r>
+            <a:r>
+              <a:rPr lang="en" sz="1400" dirty="0">
+                <a:latin typeface="Calibri" panose="020F0502020204030204" pitchFamily="34" charset="0"/>
+                <a:ea typeface="Calibri" panose="020F0502020204030204" pitchFamily="34" charset="0"/>
+                <a:cs typeface="Times New Roman" panose="02020603050405020304" pitchFamily="18" charset="0"/>
+              </a:rPr>
+              <a:t>, </a:t>
+            </a:r>
+            <a:r>
+              <a:rPr lang="en" dirty="0">
+                <a:latin typeface="Segoe UI" panose="020B0502040204020203" pitchFamily="34" charset="0"/>
+                <a:ea typeface="Calibri" panose="020F0502020204030204" pitchFamily="34" charset="0"/>
+                <a:cs typeface="Times New Roman" panose="02020603050405020304" pitchFamily="18" charset="0"/>
+              </a:rPr>
+              <a:t>by </a:t>
+            </a:r>
+            <a:r>
+              <a:rPr lang="en" dirty="0" err="1">
+                <a:latin typeface="Segoe UI" panose="020B0502040204020203" pitchFamily="34" charset="0"/>
+                <a:ea typeface="Calibri" panose="020F0502020204030204" pitchFamily="34" charset="0"/>
+                <a:cs typeface="Times New Roman" panose="02020603050405020304" pitchFamily="18" charset="0"/>
+              </a:rPr>
+              <a:t>right-clicking </a:t>
+            </a:r>
+            <a:r>
+              <a:rPr lang="en" dirty="0">
+                <a:latin typeface="Segoe UI" panose="020B0502040204020203" pitchFamily="34" charset="0"/>
+                <a:ea typeface="Calibri" panose="020F0502020204030204" pitchFamily="34" charset="0"/>
+                <a:cs typeface="Times New Roman" panose="02020603050405020304" pitchFamily="18" charset="0"/>
+              </a:rPr>
+              <a:t>and </a:t>
+            </a:r>
+            <a:r>
+              <a:rPr lang="en" dirty="0" err="1">
+                <a:latin typeface="Segoe UI" panose="020B0502040204020203" pitchFamily="34" charset="0"/>
+                <a:ea typeface="Calibri" panose="020F0502020204030204" pitchFamily="34" charset="0"/>
+                <a:cs typeface="Times New Roman" panose="02020603050405020304" pitchFamily="18" charset="0"/>
+              </a:rPr>
+              <a:t>selecting</a:t>
+            </a:r>
+            <a:r>
+              <a:rPr lang="en" dirty="0">
+                <a:latin typeface="Segoe UI" panose="020B0502040204020203" pitchFamily="34" charset="0"/>
+                <a:ea typeface="Calibri" panose="020F0502020204030204" pitchFamily="34" charset="0"/>
+                <a:cs typeface="Times New Roman" panose="02020603050405020304" pitchFamily="18" charset="0"/>
+              </a:rPr>
+              <a:t> </a:t>
+            </a:r>
+            <a:r>
+              <a:rPr lang="en" b="1" dirty="0" err="1">
+                <a:latin typeface="Segoe UI" panose="020B0502040204020203" pitchFamily="34" charset="0"/>
+                <a:ea typeface="Calibri" panose="020F0502020204030204" pitchFamily="34" charset="0"/>
+                <a:cs typeface="Times New Roman" panose="02020603050405020304" pitchFamily="18" charset="0"/>
+              </a:rPr>
+              <a:t>include</a:t>
+            </a:r>
+            <a:r>
+              <a:rPr lang="en" b="1" dirty="0">
+                <a:latin typeface="Segoe UI" panose="020B0502040204020203" pitchFamily="34" charset="0"/>
+                <a:ea typeface="Calibri" panose="020F0502020204030204" pitchFamily="34" charset="0"/>
+                <a:cs typeface="Times New Roman" panose="02020603050405020304" pitchFamily="18" charset="0"/>
+              </a:rPr>
+              <a:t> </a:t>
+            </a:r>
+            <a:r>
+              <a:rPr lang="en" dirty="0">
+                <a:latin typeface="Segoe UI" panose="020B0502040204020203" pitchFamily="34" charset="0"/>
+                <a:ea typeface="Calibri" panose="020F0502020204030204" pitchFamily="34" charset="0"/>
+                <a:cs typeface="Times New Roman" panose="02020603050405020304" pitchFamily="18" charset="0"/>
+              </a:rPr>
+              <a:t>or </a:t>
+            </a:r>
+            <a:r>
+              <a:rPr lang="en" b="1" dirty="0" err="1">
+                <a:latin typeface="Segoe UI" panose="020B0502040204020203" pitchFamily="34" charset="0"/>
+                <a:ea typeface="Calibri" panose="020F0502020204030204" pitchFamily="34" charset="0"/>
+                <a:cs typeface="Times New Roman" panose="02020603050405020304" pitchFamily="18" charset="0"/>
+              </a:rPr>
+              <a:t>exclude</a:t>
+            </a:r>
+            <a:r>
+              <a:rPr lang="en" dirty="0">
+                <a:latin typeface="Segoe UI" panose="020B0502040204020203" pitchFamily="34" charset="0"/>
+                <a:ea typeface="Calibri" panose="020F0502020204030204" pitchFamily="34" charset="0"/>
+                <a:cs typeface="Times New Roman" panose="02020603050405020304" pitchFamily="18" charset="0"/>
+              </a:rPr>
+              <a:t> </a:t>
+            </a:r>
+            <a:endParaRPr lang="en-US" sz="1400" dirty="0">
+              <a:latin typeface="Calibri" panose="020F0502020204030204" pitchFamily="34" charset="0"/>
+              <a:ea typeface="Calibri" panose="020F0502020204030204" pitchFamily="34" charset="0"/>
+              <a:cs typeface="Times New Roman" panose="02020603050405020304" pitchFamily="18" charset="0"/>
+            </a:endParaRPr>
+          </a:p>
+        </p:txBody>
+      </p:sp>
+      <p:pic>
+        <p:nvPicPr>
+          <p:cNvPr id="6" name="Picture 5"/>
+          <p:cNvPicPr>
+            <a:picLocks noChangeAspect="1"/>
+          </p:cNvPicPr>
+          <p:nvPr/>
+        </p:nvPicPr>
+        <p:blipFill>
+          <a:blip r:embed="rId2"/>
+          <a:stretch>
+            <a:fillRect/>
+          </a:stretch>
+        </p:blipFill>
+        <p:spPr>
+          <a:xfrm>
             <a:off x="4615111" y="1567001"/>
             <a:ext cx="3537379" cy="3610016"/>
+          </a:xfrm>
+          <a:prstGeom prst="rect">
+            <a:avLst/>
+          </a:prstGeom>
+        </p:spPr>
+      </p:pic>
+      <p:pic>
+        <p:nvPicPr>
+          <p:cNvPr id="3" name="Picture 2"/>
+          <p:cNvPicPr>
+            <a:picLocks noChangeAspect="1"/>
+          </p:cNvPicPr>
+          <p:nvPr/>
+        </p:nvPicPr>
+        <p:blipFill>
+          <a:blip r:embed="rId3"/>
+          <a:stretch>
+            <a:fillRect/>
+          </a:stretch>
+        </p:blipFill>
+        <p:spPr>
+          <a:xfrm>
+            <a:off x="2833588" y="1409538"/>
+            <a:ext cx="5534797" cy="4925112"/>
           </a:xfrm>
           <a:prstGeom prst="rect">
             <a:avLst/>
@@ -4674,7 +5604,7 @@
 </p:sld>
 </file>
 
-<file path=ppt/slides/slide6.xml><?xml version="1.0" encoding="utf-8"?>
+<file path=ppt/slides/slide8.xml><?xml version="1.0" encoding="utf-8"?>
 <p:sld xmlns:a="http://schemas.openxmlformats.org/drawingml/2006/main" xmlns:r="http://schemas.openxmlformats.org/officeDocument/2006/relationships" xmlns:p="http://schemas.openxmlformats.org/presentationml/2006/main">
   <p:cSld>
     <p:bg>
